--- a/Presentation.pptx
+++ b/Presentation.pptx
@@ -8,6 +8,9 @@
     <p:sldId id="256" r:id="rId2"/>
     <p:sldId id="257" r:id="rId3"/>
     <p:sldId id="258" r:id="rId4"/>
+    <p:sldId id="259" r:id="rId5"/>
+    <p:sldId id="261" r:id="rId6"/>
+    <p:sldId id="260" r:id="rId7"/>
   </p:sldIdLst>
   <p:sldSz cx="12192000" cy="6858000"/>
   <p:notesSz cx="6858000" cy="9144000"/>
@@ -107,6 +110,14 @@
     </a:lvl9pPr>
   </p:defaultTextStyle>
 </p:presentation>
+</file>
+
+<file path=ppt/revisionInfo.xml><?xml version="1.0" encoding="utf-8"?>
+<p1510:revInfo xmlns:a="http://schemas.openxmlformats.org/drawingml/2006/main" xmlns:r="http://schemas.openxmlformats.org/officeDocument/2006/relationships" xmlns:p1510="http://schemas.microsoft.com/office/powerpoint/2015/10/main">
+  <p1510:revLst>
+    <p1510:client id="{8431448E-DF6B-DF49-BC0F-4015CBEE841D}" v="29" dt="2023-11-30T07:30:04.414"/>
+  </p1510:revLst>
+</p1510:revInfo>
 </file>
 
 <file path=ppt/slideLayouts/slideLayout1.xml><?xml version="1.0" encoding="utf-8"?>
@@ -3730,7 +3741,7 @@
         </p:nvSpPr>
         <p:spPr>
           <a:xfrm>
-            <a:off x="681730" y="3429000"/>
+            <a:off x="1062730" y="3378200"/>
             <a:ext cx="1197032" cy="734484"/>
           </a:xfrm>
           <a:prstGeom prst="roundRect">
@@ -3880,7 +3891,7 @@
         </p:nvSpPr>
         <p:spPr>
           <a:xfrm>
-            <a:off x="9823620" y="3429000"/>
+            <a:off x="9874420" y="3429000"/>
             <a:ext cx="1457097" cy="774074"/>
           </a:xfrm>
           <a:prstGeom prst="roundRect">
@@ -3930,7 +3941,7 @@
         <p:spPr>
           <a:xfrm>
             <a:off x="6845320" y="4793965"/>
-            <a:ext cx="1457097" cy="1263534"/>
+            <a:ext cx="1457097" cy="850099"/>
           </a:xfrm>
           <a:prstGeom prst="roundRect">
             <a:avLst/>
@@ -3981,8 +3992,8 @@
         </p:nvSpPr>
         <p:spPr>
           <a:xfrm>
-            <a:off x="9362911" y="4793965"/>
-            <a:ext cx="2378514" cy="1263534"/>
+            <a:off x="9362910" y="4793965"/>
+            <a:ext cx="2511589" cy="968535"/>
           </a:xfrm>
           <a:prstGeom prst="roundRect">
             <a:avLst/>
@@ -4044,8 +4055,8 @@
         </p:nvCxnSpPr>
         <p:spPr>
           <a:xfrm rot="5400000">
-            <a:off x="2030271" y="2151209"/>
-            <a:ext cx="527766" cy="2027816"/>
+            <a:off x="2246171" y="2316309"/>
+            <a:ext cx="476966" cy="1646816"/>
           </a:xfrm>
           <a:prstGeom prst="curvedConnector3">
             <a:avLst>
@@ -4271,8 +4282,8 @@
         </p:nvCxnSpPr>
         <p:spPr>
           <a:xfrm rot="16200000" flipH="1">
-            <a:off x="9483611" y="2360441"/>
-            <a:ext cx="670073" cy="1467043"/>
+            <a:off x="9509011" y="2335041"/>
+            <a:ext cx="670073" cy="1517843"/>
           </a:xfrm>
           <a:prstGeom prst="curvedConnector3">
             <a:avLst>
@@ -4361,9 +4372,9 @@
           <p:nvPr/>
         </p:nvCxnSpPr>
         <p:spPr>
-          <a:xfrm flipH="1">
-            <a:off x="10552168" y="4203074"/>
-            <a:ext cx="1" cy="590891"/>
+          <a:xfrm>
+            <a:off x="10602969" y="4203074"/>
+            <a:ext cx="15736" cy="590891"/>
           </a:xfrm>
           <a:prstGeom prst="straightConnector1">
             <a:avLst/>
@@ -4408,8 +4419,8 @@
         </p:nvCxnSpPr>
         <p:spPr>
           <a:xfrm flipH="1">
-            <a:off x="1271051" y="4163484"/>
-            <a:ext cx="9195" cy="529050"/>
+            <a:off x="1660332" y="4112684"/>
+            <a:ext cx="914" cy="579850"/>
           </a:xfrm>
           <a:prstGeom prst="straightConnector1">
             <a:avLst/>
@@ -4497,7 +4508,7 @@
         <p:spPr>
           <a:xfrm>
             <a:off x="4054756" y="4793965"/>
-            <a:ext cx="1554025" cy="1263534"/>
+            <a:ext cx="1554025" cy="850099"/>
           </a:xfrm>
           <a:prstGeom prst="roundRect">
             <a:avLst/>
@@ -4548,8 +4559,8 @@
         </p:nvSpPr>
         <p:spPr>
           <a:xfrm>
-            <a:off x="149959" y="4692534"/>
-            <a:ext cx="2242183" cy="1069966"/>
+            <a:off x="530959" y="4692534"/>
+            <a:ext cx="2258745" cy="1069966"/>
           </a:xfrm>
           <a:prstGeom prst="roundRect">
             <a:avLst/>
@@ -4611,7 +4622,7 @@
         </p:nvCxnSpPr>
         <p:spPr>
           <a:xfrm flipH="1">
-            <a:off x="5608781" y="5425732"/>
+            <a:off x="5608781" y="5219015"/>
             <a:ext cx="1236539" cy="0"/>
           </a:xfrm>
           <a:prstGeom prst="straightConnector1">
@@ -4687,7 +4698,7 @@
         </p:nvSpPr>
         <p:spPr>
           <a:xfrm>
-            <a:off x="838200" y="365125"/>
+            <a:off x="454024" y="215106"/>
             <a:ext cx="2997200" cy="1325563"/>
           </a:xfrm>
         </p:spPr>
@@ -4696,7 +4707,9 @@
           <a:lstStyle/>
           <a:p>
             <a:r>
-              <a:rPr lang="fr-SG" dirty="0"/>
+              <a:rPr lang="fr-SG" dirty="0">
+                <a:latin typeface="Charter Roman" panose="02040503050506020203" pitchFamily="18" charset="0"/>
+              </a:rPr>
               <a:t>FT Circuit</a:t>
             </a:r>
           </a:p>
@@ -4716,7 +4729,7 @@
         </p:nvCxnSpPr>
         <p:spPr>
           <a:xfrm>
-            <a:off x="1054100" y="2616200"/>
+            <a:off x="946526" y="1970742"/>
             <a:ext cx="5892800" cy="0"/>
           </a:xfrm>
           <a:prstGeom prst="line">
@@ -4757,7 +4770,7 @@
         </p:nvCxnSpPr>
         <p:spPr>
           <a:xfrm>
-            <a:off x="1054100" y="2768600"/>
+            <a:off x="946526" y="2123142"/>
             <a:ext cx="5892800" cy="0"/>
           </a:xfrm>
           <a:prstGeom prst="line">
@@ -4798,7 +4811,7 @@
         </p:nvCxnSpPr>
         <p:spPr>
           <a:xfrm>
-            <a:off x="1066800" y="2921000"/>
+            <a:off x="959226" y="2275542"/>
             <a:ext cx="5892800" cy="0"/>
           </a:xfrm>
           <a:prstGeom prst="line">
@@ -4839,7 +4852,7 @@
         </p:nvCxnSpPr>
         <p:spPr>
           <a:xfrm>
-            <a:off x="1054100" y="3073400"/>
+            <a:off x="946526" y="2427942"/>
             <a:ext cx="5892800" cy="0"/>
           </a:xfrm>
           <a:prstGeom prst="line">
@@ -4880,7 +4893,7 @@
         </p:nvCxnSpPr>
         <p:spPr>
           <a:xfrm>
-            <a:off x="1066800" y="3924300"/>
+            <a:off x="959226" y="3278842"/>
             <a:ext cx="5892800" cy="0"/>
           </a:xfrm>
           <a:prstGeom prst="line">
@@ -4921,7 +4934,7 @@
         </p:nvCxnSpPr>
         <p:spPr>
           <a:xfrm>
-            <a:off x="1066800" y="4089400"/>
+            <a:off x="959226" y="3443942"/>
             <a:ext cx="5892800" cy="0"/>
           </a:xfrm>
           <a:prstGeom prst="line">
@@ -4962,7 +4975,7 @@
         </p:nvCxnSpPr>
         <p:spPr>
           <a:xfrm>
-            <a:off x="1066800" y="4254500"/>
+            <a:off x="959226" y="3609042"/>
             <a:ext cx="5892800" cy="0"/>
           </a:xfrm>
           <a:prstGeom prst="line">
@@ -5003,7 +5016,7 @@
         </p:nvCxnSpPr>
         <p:spPr>
           <a:xfrm>
-            <a:off x="1066800" y="3238500"/>
+            <a:off x="959226" y="2593042"/>
             <a:ext cx="5892800" cy="0"/>
           </a:xfrm>
           <a:prstGeom prst="line">
@@ -5046,7 +5059,7 @@
             </p:nvSpPr>
             <p:spPr>
               <a:xfrm>
-                <a:off x="154123" y="2642513"/>
+                <a:off x="46549" y="1997055"/>
                 <a:ext cx="747577" cy="430887"/>
               </a:xfrm>
               <a:prstGeom prst="rect">
@@ -5129,7 +5142,7 @@
             </p:nvSpPr>
             <p:spPr>
               <a:xfrm>
-                <a:off x="154123" y="2642513"/>
+                <a:off x="46549" y="1997055"/>
                 <a:ext cx="747577" cy="430887"/>
               </a:xfrm>
               <a:prstGeom prst="rect">
@@ -5138,7 +5151,7 @@
               <a:blipFill>
                 <a:blip r:embed="rId2"/>
                 <a:stretch>
-                  <a:fillRect l="-1667" r="-1667" b="-31429"/>
+                  <a:fillRect r="-1667" b="-31429"/>
                 </a:stretch>
               </a:blipFill>
             </p:spPr>
@@ -5173,7 +5186,7 @@
             </p:nvSpPr>
             <p:spPr>
               <a:xfrm>
-                <a:off x="212648" y="3860801"/>
+                <a:off x="105074" y="3215343"/>
                 <a:ext cx="556563" cy="430887"/>
               </a:xfrm>
               <a:prstGeom prst="rect">
@@ -5236,7 +5249,7 @@
             </p:nvSpPr>
             <p:spPr>
               <a:xfrm>
-                <a:off x="212648" y="3860801"/>
+                <a:off x="105074" y="3215343"/>
                 <a:ext cx="556563" cy="430887"/>
               </a:xfrm>
               <a:prstGeom prst="rect">
@@ -5245,7 +5258,7 @@
               <a:blipFill>
                 <a:blip r:embed="rId3"/>
                 <a:stretch>
-                  <a:fillRect l="-22222" r="-22222" b="-34286"/>
+                  <a:fillRect l="-22222" r="-20000" b="-30556"/>
                 </a:stretch>
               </a:blipFill>
             </p:spPr>
@@ -5280,27 +5293,26 @@
             </p:nvSpPr>
             <p:spPr>
               <a:xfrm>
-                <a:off x="1211262" y="2324100"/>
+                <a:off x="1103688" y="1678642"/>
                 <a:ext cx="596900" cy="1193800"/>
               </a:xfrm>
               <a:prstGeom prst="roundRect">
                 <a:avLst/>
               </a:prstGeom>
+              <a:ln w="31750"/>
             </p:spPr>
             <p:style>
               <a:lnRef idx="2">
-                <a:schemeClr val="accent1">
-                  <a:shade val="15000"/>
-                </a:schemeClr>
+                <a:schemeClr val="dk1"/>
               </a:lnRef>
               <a:fillRef idx="1">
-                <a:schemeClr val="accent1"/>
+                <a:schemeClr val="lt1"/>
               </a:fillRef>
               <a:effectRef idx="0">
-                <a:schemeClr val="accent1"/>
+                <a:schemeClr val="dk1"/>
               </a:effectRef>
               <a:fontRef idx="minor">
-                <a:schemeClr val="lt1"/>
+                <a:schemeClr val="dk1"/>
               </a:fontRef>
             </p:style>
             <p:txBody>
@@ -5364,7 +5376,7 @@
             </p:nvSpPr>
             <p:spPr>
               <a:xfrm>
-                <a:off x="1211262" y="2324100"/>
+                <a:off x="1103688" y="1678642"/>
                 <a:ext cx="596900" cy="1193800"/>
               </a:xfrm>
               <a:prstGeom prst="roundRect">
@@ -5376,6 +5388,7 @@
                   <a:fillRect/>
                 </a:stretch>
               </a:blipFill>
+              <a:ln w="31750"/>
             </p:spPr>
             <p:txBody>
               <a:bodyPr/>
@@ -5408,27 +5421,26 @@
             </p:nvSpPr>
             <p:spPr>
               <a:xfrm>
-                <a:off x="2711450" y="2324100"/>
+                <a:off x="2603876" y="1678642"/>
                 <a:ext cx="596900" cy="1193800"/>
               </a:xfrm>
               <a:prstGeom prst="roundRect">
                 <a:avLst/>
               </a:prstGeom>
+              <a:ln w="31750"/>
             </p:spPr>
             <p:style>
               <a:lnRef idx="2">
-                <a:schemeClr val="accent1">
-                  <a:shade val="15000"/>
-                </a:schemeClr>
+                <a:schemeClr val="dk1"/>
               </a:lnRef>
               <a:fillRef idx="1">
-                <a:schemeClr val="accent1"/>
+                <a:schemeClr val="lt1"/>
               </a:fillRef>
               <a:effectRef idx="0">
-                <a:schemeClr val="accent1"/>
+                <a:schemeClr val="dk1"/>
               </a:effectRef>
               <a:fontRef idx="minor">
-                <a:schemeClr val="lt1"/>
+                <a:schemeClr val="dk1"/>
               </a:fontRef>
             </p:style>
             <p:txBody>
@@ -5492,7 +5504,7 @@
             </p:nvSpPr>
             <p:spPr>
               <a:xfrm>
-                <a:off x="2711450" y="2324100"/>
+                <a:off x="2603876" y="1678642"/>
                 <a:ext cx="596900" cy="1193800"/>
               </a:xfrm>
               <a:prstGeom prst="roundRect">
@@ -5504,6 +5516,7 @@
                   <a:fillRect/>
                 </a:stretch>
               </a:blipFill>
+              <a:ln w="31750"/>
             </p:spPr>
             <p:txBody>
               <a:bodyPr/>
@@ -5536,27 +5549,26 @@
             </p:nvSpPr>
             <p:spPr>
               <a:xfrm>
-                <a:off x="4171950" y="2336800"/>
+                <a:off x="4064376" y="1691342"/>
                 <a:ext cx="596900" cy="1193800"/>
               </a:xfrm>
               <a:prstGeom prst="roundRect">
                 <a:avLst/>
               </a:prstGeom>
+              <a:ln w="31750"/>
             </p:spPr>
             <p:style>
               <a:lnRef idx="2">
-                <a:schemeClr val="accent1">
-                  <a:shade val="15000"/>
-                </a:schemeClr>
+                <a:schemeClr val="dk1"/>
               </a:lnRef>
               <a:fillRef idx="1">
-                <a:schemeClr val="accent1"/>
+                <a:schemeClr val="lt1"/>
               </a:fillRef>
               <a:effectRef idx="0">
-                <a:schemeClr val="accent1"/>
+                <a:schemeClr val="dk1"/>
               </a:effectRef>
               <a:fontRef idx="minor">
-                <a:schemeClr val="lt1"/>
+                <a:schemeClr val="dk1"/>
               </a:fontRef>
             </p:style>
             <p:txBody>
@@ -5620,7 +5632,7 @@
             </p:nvSpPr>
             <p:spPr>
               <a:xfrm>
-                <a:off x="4171950" y="2336800"/>
+                <a:off x="4064376" y="1691342"/>
                 <a:ext cx="596900" cy="1193800"/>
               </a:xfrm>
               <a:prstGeom prst="roundRect">
@@ -5632,6 +5644,7 @@
                   <a:fillRect/>
                 </a:stretch>
               </a:blipFill>
+              <a:ln w="31750"/>
             </p:spPr>
             <p:txBody>
               <a:bodyPr/>
@@ -5664,27 +5677,26 @@
             </p:nvSpPr>
             <p:spPr>
               <a:xfrm>
-                <a:off x="1952624" y="2349500"/>
+                <a:off x="1845050" y="1704042"/>
                 <a:ext cx="596900" cy="1193800"/>
               </a:xfrm>
               <a:prstGeom prst="roundRect">
                 <a:avLst/>
               </a:prstGeom>
+              <a:ln w="31750"/>
             </p:spPr>
             <p:style>
               <a:lnRef idx="2">
-                <a:schemeClr val="accent1">
-                  <a:shade val="15000"/>
-                </a:schemeClr>
+                <a:schemeClr val="accent1"/>
               </a:lnRef>
               <a:fillRef idx="1">
-                <a:schemeClr val="accent1"/>
+                <a:schemeClr val="lt1"/>
               </a:fillRef>
               <a:effectRef idx="0">
                 <a:schemeClr val="accent1"/>
               </a:effectRef>
               <a:fontRef idx="minor">
-                <a:schemeClr val="lt1"/>
+                <a:schemeClr val="dk1"/>
               </a:fontRef>
             </p:style>
             <p:txBody>
@@ -5729,7 +5741,7 @@
             </p:nvSpPr>
             <p:spPr>
               <a:xfrm>
-                <a:off x="1952624" y="2349500"/>
+                <a:off x="1845050" y="1704042"/>
                 <a:ext cx="596900" cy="1193800"/>
               </a:xfrm>
               <a:prstGeom prst="roundRect">
@@ -5738,9 +5750,10 @@
               <a:blipFill>
                 <a:blip r:embed="rId7"/>
                 <a:stretch>
-                  <a:fillRect l="-8163"/>
+                  <a:fillRect l="-6000"/>
                 </a:stretch>
               </a:blipFill>
+              <a:ln w="31750"/>
             </p:spPr>
             <p:txBody>
               <a:bodyPr/>
@@ -5773,27 +5786,26 @@
             </p:nvSpPr>
             <p:spPr>
               <a:xfrm>
-                <a:off x="3452812" y="2324100"/>
+                <a:off x="3345238" y="1678642"/>
                 <a:ext cx="596900" cy="1193800"/>
               </a:xfrm>
               <a:prstGeom prst="roundRect">
                 <a:avLst/>
               </a:prstGeom>
+              <a:ln w="31750"/>
             </p:spPr>
             <p:style>
               <a:lnRef idx="2">
-                <a:schemeClr val="accent1">
-                  <a:shade val="15000"/>
-                </a:schemeClr>
+                <a:schemeClr val="accent1"/>
               </a:lnRef>
               <a:fillRef idx="1">
-                <a:schemeClr val="accent1"/>
+                <a:schemeClr val="lt1"/>
               </a:fillRef>
               <a:effectRef idx="0">
                 <a:schemeClr val="accent1"/>
               </a:effectRef>
               <a:fontRef idx="minor">
-                <a:schemeClr val="lt1"/>
+                <a:schemeClr val="dk1"/>
               </a:fontRef>
             </p:style>
             <p:txBody>
@@ -5838,7 +5850,7 @@
             </p:nvSpPr>
             <p:spPr>
               <a:xfrm>
-                <a:off x="3452812" y="2324100"/>
+                <a:off x="3345238" y="1678642"/>
                 <a:ext cx="596900" cy="1193800"/>
               </a:xfrm>
               <a:prstGeom prst="roundRect">
@@ -5847,9 +5859,10 @@
               <a:blipFill>
                 <a:blip r:embed="rId8"/>
                 <a:stretch>
-                  <a:fillRect l="-6122"/>
+                  <a:fillRect l="-6000"/>
                 </a:stretch>
               </a:blipFill>
+              <a:ln w="31750"/>
             </p:spPr>
             <p:txBody>
               <a:bodyPr/>
@@ -5882,27 +5895,26 @@
             </p:nvSpPr>
             <p:spPr>
               <a:xfrm>
-                <a:off x="5813426" y="2336356"/>
+                <a:off x="5566152" y="1690898"/>
                 <a:ext cx="596900" cy="1206501"/>
               </a:xfrm>
               <a:prstGeom prst="roundRect">
                 <a:avLst/>
               </a:prstGeom>
+              <a:ln w="31750"/>
             </p:spPr>
             <p:style>
               <a:lnRef idx="2">
-                <a:schemeClr val="accent1">
-                  <a:shade val="15000"/>
-                </a:schemeClr>
+                <a:schemeClr val="accent2"/>
               </a:lnRef>
               <a:fillRef idx="1">
-                <a:schemeClr val="accent1"/>
+                <a:schemeClr val="lt1"/>
               </a:fillRef>
               <a:effectRef idx="0">
-                <a:schemeClr val="accent1"/>
+                <a:schemeClr val="accent2"/>
               </a:effectRef>
               <a:fontRef idx="minor">
-                <a:schemeClr val="lt1"/>
+                <a:schemeClr val="dk1"/>
               </a:fontRef>
             </p:style>
             <p:txBody>
@@ -5972,7 +5984,7 @@
             </p:nvSpPr>
             <p:spPr>
               <a:xfrm>
-                <a:off x="5813426" y="2336356"/>
+                <a:off x="5566152" y="1690898"/>
                 <a:ext cx="596900" cy="1206501"/>
               </a:xfrm>
               <a:prstGeom prst="roundRect">
@@ -5984,6 +5996,7 @@
                   <a:fillRect/>
                 </a:stretch>
               </a:blipFill>
+              <a:ln w="31750"/>
             </p:spPr>
             <p:txBody>
               <a:bodyPr/>
@@ -6016,27 +6029,26 @@
             </p:nvSpPr>
             <p:spPr>
               <a:xfrm>
-                <a:off x="4929188" y="2324100"/>
+                <a:off x="4821614" y="1678642"/>
                 <a:ext cx="596900" cy="1193800"/>
               </a:xfrm>
               <a:prstGeom prst="roundRect">
                 <a:avLst/>
               </a:prstGeom>
+              <a:ln w="31750"/>
             </p:spPr>
             <p:style>
               <a:lnRef idx="2">
-                <a:schemeClr val="accent1">
-                  <a:shade val="15000"/>
-                </a:schemeClr>
+                <a:schemeClr val="accent1"/>
               </a:lnRef>
               <a:fillRef idx="1">
-                <a:schemeClr val="accent1"/>
+                <a:schemeClr val="lt1"/>
               </a:fillRef>
               <a:effectRef idx="0">
                 <a:schemeClr val="accent1"/>
               </a:effectRef>
               <a:fontRef idx="minor">
-                <a:schemeClr val="lt1"/>
+                <a:schemeClr val="dk1"/>
               </a:fontRef>
             </p:style>
             <p:txBody>
@@ -6081,7 +6093,7 @@
             </p:nvSpPr>
             <p:spPr>
               <a:xfrm>
-                <a:off x="4929188" y="2324100"/>
+                <a:off x="4821614" y="1678642"/>
                 <a:ext cx="596900" cy="1193800"/>
               </a:xfrm>
               <a:prstGeom prst="roundRect">
@@ -6090,9 +6102,10 @@
               <a:blipFill>
                 <a:blip r:embed="rId10"/>
                 <a:stretch>
-                  <a:fillRect l="-6122"/>
+                  <a:fillRect l="-5882"/>
                 </a:stretch>
               </a:blipFill>
+              <a:ln w="31750"/>
             </p:spPr>
             <p:txBody>
               <a:bodyPr/>
@@ -6109,157 +6122,65 @@
           </p:sp>
         </mc:Fallback>
       </mc:AlternateContent>
-      <p:pic>
-        <p:nvPicPr>
-          <p:cNvPr id="24" name="Image 23">
-            <a:extLst>
-              <a:ext uri="{FF2B5EF4-FFF2-40B4-BE49-F238E27FC236}">
-                <a16:creationId xmlns:a16="http://schemas.microsoft.com/office/drawing/2014/main" id="{96BD99E0-237F-365B-3082-50733A3D1155}"/>
-              </a:ext>
-            </a:extLst>
-          </p:cNvPr>
-          <p:cNvPicPr>
-            <a:picLocks noChangeAspect="1"/>
-          </p:cNvPicPr>
+      <p:sp>
+        <p:nvSpPr>
+          <p:cNvPr id="25" name="Bulle rectangulaire à coins arrondis 24">
+            <a:extLst>
+              <a:ext uri="{FF2B5EF4-FFF2-40B4-BE49-F238E27FC236}">
+                <a16:creationId xmlns:a16="http://schemas.microsoft.com/office/drawing/2014/main" id="{79806204-68C6-2C49-21AE-05BE80A258B4}"/>
+              </a:ext>
+            </a:extLst>
+          </p:cNvPr>
+          <p:cNvSpPr/>
           <p:nvPr/>
-        </p:nvPicPr>
-        <p:blipFill>
-          <a:blip r:embed="rId11"/>
-          <a:stretch>
-            <a:fillRect/>
-          </a:stretch>
-        </p:blipFill>
+        </p:nvSpPr>
         <p:spPr>
           <a:xfrm>
-            <a:off x="857250" y="5042788"/>
-            <a:ext cx="5792746" cy="1641556"/>
+            <a:off x="1244203" y="3177234"/>
+            <a:ext cx="2534423" cy="635905"/>
           </a:xfrm>
-          <a:prstGeom prst="rect">
-            <a:avLst/>
+          <a:prstGeom prst="wedgeRoundRectCallout">
+            <a:avLst>
+              <a:gd name="adj1" fmla="val 23385"/>
+              <a:gd name="adj2" fmla="val 143678"/>
+              <a:gd name="adj3" fmla="val 16667"/>
+            </a:avLst>
           </a:prstGeom>
+          <a:ln/>
         </p:spPr>
-      </p:pic>
-      <mc:AlternateContent xmlns:mc="http://schemas.openxmlformats.org/markup-compatibility/2006">
-        <mc:Choice xmlns:a14="http://schemas.microsoft.com/office/drawing/2010/main" Requires="a14">
-          <p:sp>
-            <p:nvSpPr>
-              <p:cNvPr id="25" name="Bulle rectangulaire à coins arrondis 24">
-                <a:extLst>
-                  <a:ext uri="{FF2B5EF4-FFF2-40B4-BE49-F238E27FC236}">
-                    <a16:creationId xmlns:a16="http://schemas.microsoft.com/office/drawing/2014/main" id="{79806204-68C6-2C49-21AE-05BE80A258B4}"/>
-                  </a:ext>
-                </a:extLst>
-              </p:cNvPr>
-              <p:cNvSpPr/>
-              <p:nvPr/>
-            </p:nvSpPr>
-            <p:spPr>
-              <a:xfrm>
-                <a:off x="1351777" y="3822692"/>
-                <a:ext cx="1956573" cy="635905"/>
-              </a:xfrm>
-              <a:prstGeom prst="wedgeRoundRectCallout">
-                <a:avLst>
-                  <a:gd name="adj1" fmla="val 46023"/>
-                  <a:gd name="adj2" fmla="val 132400"/>
-                  <a:gd name="adj3" fmla="val 16667"/>
-                </a:avLst>
-              </a:prstGeom>
-            </p:spPr>
-            <p:style>
-              <a:lnRef idx="2">
-                <a:schemeClr val="accent1">
-                  <a:shade val="15000"/>
-                </a:schemeClr>
-              </a:lnRef>
-              <a:fillRef idx="1">
-                <a:schemeClr val="accent1"/>
-              </a:fillRef>
-              <a:effectRef idx="0">
-                <a:schemeClr val="accent1"/>
-              </a:effectRef>
-              <a:fontRef idx="minor">
-                <a:schemeClr val="lt1"/>
-              </a:fontRef>
-            </p:style>
-            <p:txBody>
-              <a:bodyPr rtlCol="0" anchor="ctr"/>
-              <a:lstStyle/>
-              <a:p>
-                <a:pPr algn="ctr"/>
-                <a14:m>
-                  <m:oMathPara xmlns:m="http://schemas.openxmlformats.org/officeDocument/2006/math">
-                    <m:oMathParaPr>
-                      <m:jc m:val="centerGroup"/>
-                    </m:oMathParaPr>
-                    <m:oMath xmlns:m="http://schemas.openxmlformats.org/officeDocument/2006/math">
-                      <m:r>
-                        <a:rPr lang="fr-FR" b="0" i="1" smtClean="0">
-                          <a:latin typeface="Cambria Math" panose="02040503050406030204" pitchFamily="18" charset="0"/>
-                        </a:rPr>
-                        <m:t>𝑅𝑈𝑆</m:t>
-                      </m:r>
-                    </m:oMath>
-                  </m:oMathPara>
-                </a14:m>
-                <a:endParaRPr lang="fr-SG" dirty="0"/>
-              </a:p>
-              <a:p>
-                <a:pPr algn="ctr"/>
-                <a:endParaRPr lang="fr-SG" dirty="0"/>
-              </a:p>
-            </p:txBody>
-          </p:sp>
-        </mc:Choice>
-        <mc:Fallback>
-          <p:sp>
-            <p:nvSpPr>
-              <p:cNvPr id="25" name="Bulle rectangulaire à coins arrondis 24">
-                <a:extLst>
-                  <a:ext uri="{FF2B5EF4-FFF2-40B4-BE49-F238E27FC236}">
-                    <a16:creationId xmlns:a16="http://schemas.microsoft.com/office/drawing/2014/main" id="{79806204-68C6-2C49-21AE-05BE80A258B4}"/>
-                  </a:ext>
-                </a:extLst>
-              </p:cNvPr>
-              <p:cNvSpPr>
-                <a:spLocks noRot="1" noChangeAspect="1" noMove="1" noResize="1" noEditPoints="1" noAdjustHandles="1" noChangeArrowheads="1" noChangeShapeType="1" noTextEdit="1"/>
-              </p:cNvSpPr>
-              <p:nvPr/>
-            </p:nvSpPr>
-            <p:spPr>
-              <a:xfrm>
-                <a:off x="1351777" y="3822692"/>
-                <a:ext cx="1956573" cy="635905"/>
-              </a:xfrm>
-              <a:prstGeom prst="wedgeRoundRectCallout">
-                <a:avLst>
-                  <a:gd name="adj1" fmla="val 46023"/>
-                  <a:gd name="adj2" fmla="val 132400"/>
-                  <a:gd name="adj3" fmla="val 16667"/>
-                </a:avLst>
-              </a:prstGeom>
-              <a:blipFill>
-                <a:blip r:embed="rId12"/>
-                <a:stretch>
-                  <a:fillRect/>
-                </a:stretch>
-              </a:blipFill>
-            </p:spPr>
-            <p:txBody>
-              <a:bodyPr/>
-              <a:lstStyle/>
-              <a:p>
-                <a:r>
-                  <a:rPr lang="fr-SG">
-                    <a:noFill/>
-                  </a:rPr>
-                  <a:t> </a:t>
-                </a:r>
-              </a:p>
-            </p:txBody>
-          </p:sp>
-        </mc:Fallback>
-      </mc:AlternateContent>
+        <p:style>
+          <a:lnRef idx="3">
+            <a:schemeClr val="lt1"/>
+          </a:lnRef>
+          <a:fillRef idx="1">
+            <a:schemeClr val="accent2"/>
+          </a:fillRef>
+          <a:effectRef idx="1">
+            <a:schemeClr val="accent2"/>
+          </a:effectRef>
+          <a:fontRef idx="minor">
+            <a:schemeClr val="lt1"/>
+          </a:fontRef>
+        </p:style>
+        <p:txBody>
+          <a:bodyPr rtlCol="0" anchor="ctr"/>
+          <a:lstStyle/>
+          <a:p>
+            <a:pPr algn="ctr"/>
+            <a:r>
+              <a:rPr lang="fr-SG" dirty="0"/>
+              <a:t>Magic State Distillation</a:t>
+            </a:r>
+          </a:p>
+          <a:p>
+            <a:pPr algn="ctr"/>
+            <a:r>
+              <a:rPr lang="fr-SG" dirty="0"/>
+              <a:t>(RUS)</a:t>
+            </a:r>
+          </a:p>
+        </p:txBody>
+      </p:sp>
       <p:cxnSp>
         <p:nvCxnSpPr>
           <p:cNvPr id="27" name="Connecteur droit 26">
@@ -6276,13 +6197,17 @@
         </p:nvCxnSpPr>
         <p:spPr>
           <a:xfrm>
-            <a:off x="6061076" y="3543300"/>
+            <a:off x="5813802" y="2897842"/>
             <a:ext cx="0" cy="406400"/>
           </a:xfrm>
           <a:prstGeom prst="line">
             <a:avLst/>
           </a:prstGeom>
-          <a:ln w="41275"/>
+          <a:ln w="41275">
+            <a:solidFill>
+              <a:schemeClr val="accent2"/>
+            </a:solidFill>
+          </a:ln>
         </p:spPr>
         <p:style>
           <a:lnRef idx="1">
@@ -6315,13 +6240,17 @@
         </p:nvCxnSpPr>
         <p:spPr>
           <a:xfrm>
-            <a:off x="6111876" y="3543300"/>
+            <a:off x="5864602" y="2897842"/>
             <a:ext cx="0" cy="406400"/>
           </a:xfrm>
           <a:prstGeom prst="line">
             <a:avLst/>
           </a:prstGeom>
-          <a:ln w="41275"/>
+          <a:ln w="41275">
+            <a:solidFill>
+              <a:schemeClr val="accent2"/>
+            </a:solidFill>
+          </a:ln>
         </p:spPr>
         <p:style>
           <a:lnRef idx="1">
@@ -6354,7 +6283,7 @@
             </p:nvSpPr>
             <p:spPr>
               <a:xfrm>
-                <a:off x="5453836" y="3810000"/>
+                <a:off x="5181162" y="3164542"/>
                 <a:ext cx="1284327" cy="654938"/>
               </a:xfrm>
               <a:prstGeom prst="roundRect">
@@ -6362,16 +6291,14 @@
               </a:prstGeom>
             </p:spPr>
             <p:style>
-              <a:lnRef idx="2">
-                <a:schemeClr val="accent1">
-                  <a:shade val="15000"/>
-                </a:schemeClr>
+              <a:lnRef idx="3">
+                <a:schemeClr val="lt1"/>
               </a:lnRef>
               <a:fillRef idx="1">
-                <a:schemeClr val="accent1"/>
+                <a:schemeClr val="accent2"/>
               </a:fillRef>
-              <a:effectRef idx="0">
-                <a:schemeClr val="accent1"/>
+              <a:effectRef idx="1">
+                <a:schemeClr val="accent2"/>
               </a:effectRef>
               <a:fontRef idx="minor">
                 <a:schemeClr val="lt1"/>
@@ -6450,14 +6377,14 @@
             </p:nvSpPr>
             <p:spPr>
               <a:xfrm>
-                <a:off x="5453836" y="3810000"/>
+                <a:off x="5181162" y="3164542"/>
                 <a:ext cx="1284327" cy="654938"/>
               </a:xfrm>
               <a:prstGeom prst="roundRect">
                 <a:avLst/>
               </a:prstGeom>
               <a:blipFill>
-                <a:blip r:embed="rId13"/>
+                <a:blip r:embed="rId11"/>
                 <a:stretch>
                   <a:fillRect/>
                 </a:stretch>
@@ -6478,10 +6405,1650 @@
           </p:sp>
         </mc:Fallback>
       </mc:AlternateContent>
+      <p:sp>
+        <p:nvSpPr>
+          <p:cNvPr id="32" name="ZoneTexte 31">
+            <a:extLst>
+              <a:ext uri="{FF2B5EF4-FFF2-40B4-BE49-F238E27FC236}">
+                <a16:creationId xmlns:a16="http://schemas.microsoft.com/office/drawing/2014/main" id="{95ECA1E0-A576-4109-997C-D91C8E454877}"/>
+              </a:ext>
+            </a:extLst>
+          </p:cNvPr>
+          <p:cNvSpPr txBox="1"/>
+          <p:nvPr/>
+        </p:nvSpPr>
+        <p:spPr>
+          <a:xfrm>
+            <a:off x="7066340" y="1753404"/>
+            <a:ext cx="5059226" cy="3785652"/>
+          </a:xfrm>
+          <a:prstGeom prst="rect">
+            <a:avLst/>
+          </a:prstGeom>
+          <a:noFill/>
+        </p:spPr>
+        <p:txBody>
+          <a:bodyPr wrap="square" rtlCol="0">
+            <a:spAutoFit/>
+          </a:bodyPr>
+          <a:lstStyle/>
+          <a:p>
+            <a:r>
+              <a:rPr lang="fr-SG" sz="2400" dirty="0">
+                <a:latin typeface="Charter Roman" panose="02040503050506020203" pitchFamily="18" charset="0"/>
+              </a:rPr>
+              <a:t>We break down all tasks required to run a FT  circuit:</a:t>
+            </a:r>
+          </a:p>
+          <a:p>
+            <a:endParaRPr lang="fr-SG" sz="2400" dirty="0">
+              <a:latin typeface="Charter Roman" panose="02040503050506020203" pitchFamily="18" charset="0"/>
+            </a:endParaRPr>
+          </a:p>
+          <a:p>
+            <a:pPr marL="342900" indent="-342900">
+              <a:buFont typeface="+mj-lt"/>
+              <a:buAutoNum type="arabicPeriod"/>
+            </a:pPr>
+            <a:r>
+              <a:rPr lang="fr-SG" sz="2400" dirty="0">
+                <a:latin typeface="Charter Roman" panose="02040503050506020203" pitchFamily="18" charset="0"/>
+              </a:rPr>
+              <a:t>Implementing a logical Clifford gate</a:t>
+            </a:r>
+          </a:p>
+          <a:p>
+            <a:pPr marL="342900" indent="-342900">
+              <a:buFont typeface="+mj-lt"/>
+              <a:buAutoNum type="arabicPeriod"/>
+            </a:pPr>
+            <a:r>
+              <a:rPr lang="fr-SG" sz="2400" dirty="0">
+                <a:latin typeface="Charter Roman" panose="02040503050506020203" pitchFamily="18" charset="0"/>
+              </a:rPr>
+              <a:t>Implement QEC (bit-flip and phase-flip codes examples)</a:t>
+            </a:r>
+          </a:p>
+          <a:p>
+            <a:pPr marL="342900" indent="-342900">
+              <a:buFont typeface="+mj-lt"/>
+              <a:buAutoNum type="arabicPeriod"/>
+            </a:pPr>
+            <a:r>
+              <a:rPr lang="fr-SG" sz="2400" dirty="0">
+                <a:latin typeface="Charter Roman" panose="02040503050506020203" pitchFamily="18" charset="0"/>
+              </a:rPr>
+              <a:t>Magic State Distillation</a:t>
+            </a:r>
+          </a:p>
+          <a:p>
+            <a:pPr marL="342900" indent="-342900">
+              <a:buFont typeface="+mj-lt"/>
+              <a:buAutoNum type="arabicPeriod"/>
+            </a:pPr>
+            <a:r>
+              <a:rPr lang="fr-SG" sz="2400" dirty="0">
+                <a:latin typeface="Charter Roman" panose="02040503050506020203" pitchFamily="18" charset="0"/>
+              </a:rPr>
+              <a:t>Implement Non-Clifford gate fault-tolerantly</a:t>
+            </a:r>
+          </a:p>
+        </p:txBody>
+      </p:sp>
+      <p:pic>
+        <p:nvPicPr>
+          <p:cNvPr id="33" name="Image 32">
+            <a:extLst>
+              <a:ext uri="{FF2B5EF4-FFF2-40B4-BE49-F238E27FC236}">
+                <a16:creationId xmlns:a16="http://schemas.microsoft.com/office/drawing/2014/main" id="{AA3414AB-E298-00E8-3E99-9ABE4316367F}"/>
+              </a:ext>
+            </a:extLst>
+          </p:cNvPr>
+          <p:cNvPicPr>
+            <a:picLocks noChangeAspect="1"/>
+          </p:cNvPicPr>
+          <p:nvPr/>
+        </p:nvPicPr>
+        <p:blipFill>
+          <a:blip r:embed="rId12"/>
+          <a:stretch>
+            <a:fillRect/>
+          </a:stretch>
+        </p:blipFill>
+        <p:spPr>
+          <a:xfrm>
+            <a:off x="153152" y="4430058"/>
+            <a:ext cx="6596144" cy="2108804"/>
+          </a:xfrm>
+          <a:prstGeom prst="rect">
+            <a:avLst/>
+          </a:prstGeom>
+        </p:spPr>
+      </p:pic>
     </p:spTree>
     <p:extLst>
       <p:ext uri="{BB962C8B-B14F-4D97-AF65-F5344CB8AC3E}">
         <p14:creationId xmlns:p14="http://schemas.microsoft.com/office/powerpoint/2010/main" val="3272690435"/>
+      </p:ext>
+    </p:extLst>
+  </p:cSld>
+  <p:clrMapOvr>
+    <a:masterClrMapping/>
+  </p:clrMapOvr>
+</p:sld>
+</file>
+
+<file path=ppt/slides/slide4.xml><?xml version="1.0" encoding="utf-8"?>
+<p:sld xmlns:a="http://schemas.openxmlformats.org/drawingml/2006/main" xmlns:r="http://schemas.openxmlformats.org/officeDocument/2006/relationships" xmlns:p="http://schemas.openxmlformats.org/presentationml/2006/main">
+  <p:cSld>
+    <p:spTree>
+      <p:nvGrpSpPr>
+        <p:cNvPr id="1" name=""/>
+        <p:cNvGrpSpPr/>
+        <p:nvPr/>
+      </p:nvGrpSpPr>
+      <p:grpSpPr>
+        <a:xfrm>
+          <a:off x="0" y="0"/>
+          <a:ext cx="0" cy="0"/>
+          <a:chOff x="0" y="0"/>
+          <a:chExt cx="0" cy="0"/>
+        </a:xfrm>
+      </p:grpSpPr>
+      <p:sp>
+        <p:nvSpPr>
+          <p:cNvPr id="2" name="Titre 1">
+            <a:extLst>
+              <a:ext uri="{FF2B5EF4-FFF2-40B4-BE49-F238E27FC236}">
+                <a16:creationId xmlns:a16="http://schemas.microsoft.com/office/drawing/2014/main" id="{08DAD09C-DFA2-9ED0-D024-D405D86C6DA2}"/>
+              </a:ext>
+            </a:extLst>
+          </p:cNvPr>
+          <p:cNvSpPr>
+            <a:spLocks noGrp="1"/>
+          </p:cNvSpPr>
+          <p:nvPr>
+            <p:ph type="title"/>
+          </p:nvPr>
+        </p:nvSpPr>
+        <p:spPr/>
+        <p:txBody>
+          <a:bodyPr/>
+          <a:lstStyle/>
+          <a:p>
+            <a:r>
+              <a:rPr lang="fr-SG" dirty="0">
+                <a:latin typeface="Charter Roman" panose="02040503050506020203" pitchFamily="18" charset="0"/>
+              </a:rPr>
+              <a:t>Logical Clifford gate</a:t>
+            </a:r>
+          </a:p>
+        </p:txBody>
+      </p:sp>
+      <p:cxnSp>
+        <p:nvCxnSpPr>
+          <p:cNvPr id="4" name="Connecteur droit 3">
+            <a:extLst>
+              <a:ext uri="{FF2B5EF4-FFF2-40B4-BE49-F238E27FC236}">
+                <a16:creationId xmlns:a16="http://schemas.microsoft.com/office/drawing/2014/main" id="{A22A0E37-F310-C493-1892-55344FDDD90F}"/>
+              </a:ext>
+            </a:extLst>
+          </p:cNvPr>
+          <p:cNvCxnSpPr>
+            <a:cxnSpLocks/>
+          </p:cNvCxnSpPr>
+          <p:nvPr/>
+        </p:nvCxnSpPr>
+        <p:spPr>
+          <a:xfrm>
+            <a:off x="359507" y="2211753"/>
+            <a:ext cx="936000" cy="0"/>
+          </a:xfrm>
+          <a:prstGeom prst="line">
+            <a:avLst/>
+          </a:prstGeom>
+          <a:ln w="38100">
+            <a:solidFill>
+              <a:schemeClr val="tx1"/>
+            </a:solidFill>
+          </a:ln>
+        </p:spPr>
+        <p:style>
+          <a:lnRef idx="1">
+            <a:schemeClr val="accent1"/>
+          </a:lnRef>
+          <a:fillRef idx="0">
+            <a:schemeClr val="accent1"/>
+          </a:fillRef>
+          <a:effectRef idx="0">
+            <a:schemeClr val="accent1"/>
+          </a:effectRef>
+          <a:fontRef idx="minor">
+            <a:schemeClr val="tx1"/>
+          </a:fontRef>
+        </p:style>
+      </p:cxnSp>
+      <p:cxnSp>
+        <p:nvCxnSpPr>
+          <p:cNvPr id="5" name="Connecteur droit 4">
+            <a:extLst>
+              <a:ext uri="{FF2B5EF4-FFF2-40B4-BE49-F238E27FC236}">
+                <a16:creationId xmlns:a16="http://schemas.microsoft.com/office/drawing/2014/main" id="{9F1B6AF6-A581-1B86-4515-D76CE28E9853}"/>
+              </a:ext>
+            </a:extLst>
+          </p:cNvPr>
+          <p:cNvCxnSpPr/>
+          <p:nvPr/>
+        </p:nvCxnSpPr>
+        <p:spPr>
+          <a:xfrm>
+            <a:off x="359507" y="2364153"/>
+            <a:ext cx="936000" cy="0"/>
+          </a:xfrm>
+          <a:prstGeom prst="line">
+            <a:avLst/>
+          </a:prstGeom>
+          <a:ln w="38100">
+            <a:solidFill>
+              <a:schemeClr val="tx1"/>
+            </a:solidFill>
+          </a:ln>
+        </p:spPr>
+        <p:style>
+          <a:lnRef idx="1">
+            <a:schemeClr val="accent1"/>
+          </a:lnRef>
+          <a:fillRef idx="0">
+            <a:schemeClr val="accent1"/>
+          </a:fillRef>
+          <a:effectRef idx="0">
+            <a:schemeClr val="accent1"/>
+          </a:effectRef>
+          <a:fontRef idx="minor">
+            <a:schemeClr val="tx1"/>
+          </a:fontRef>
+        </p:style>
+      </p:cxnSp>
+      <p:cxnSp>
+        <p:nvCxnSpPr>
+          <p:cNvPr id="6" name="Connecteur droit 5">
+            <a:extLst>
+              <a:ext uri="{FF2B5EF4-FFF2-40B4-BE49-F238E27FC236}">
+                <a16:creationId xmlns:a16="http://schemas.microsoft.com/office/drawing/2014/main" id="{D12148C6-0E40-F548-CAB2-A4BB2763B842}"/>
+              </a:ext>
+            </a:extLst>
+          </p:cNvPr>
+          <p:cNvCxnSpPr/>
+          <p:nvPr/>
+        </p:nvCxnSpPr>
+        <p:spPr>
+          <a:xfrm>
+            <a:off x="372207" y="2516553"/>
+            <a:ext cx="936000" cy="0"/>
+          </a:xfrm>
+          <a:prstGeom prst="line">
+            <a:avLst/>
+          </a:prstGeom>
+          <a:ln w="38100">
+            <a:solidFill>
+              <a:schemeClr val="tx1"/>
+            </a:solidFill>
+          </a:ln>
+        </p:spPr>
+        <p:style>
+          <a:lnRef idx="1">
+            <a:schemeClr val="accent1"/>
+          </a:lnRef>
+          <a:fillRef idx="0">
+            <a:schemeClr val="accent1"/>
+          </a:fillRef>
+          <a:effectRef idx="0">
+            <a:schemeClr val="accent1"/>
+          </a:effectRef>
+          <a:fontRef idx="minor">
+            <a:schemeClr val="tx1"/>
+          </a:fontRef>
+        </p:style>
+      </p:cxnSp>
+      <p:cxnSp>
+        <p:nvCxnSpPr>
+          <p:cNvPr id="7" name="Connecteur droit 6">
+            <a:extLst>
+              <a:ext uri="{FF2B5EF4-FFF2-40B4-BE49-F238E27FC236}">
+                <a16:creationId xmlns:a16="http://schemas.microsoft.com/office/drawing/2014/main" id="{46A75967-5FFB-C76E-D84B-54548CF1C9B2}"/>
+              </a:ext>
+            </a:extLst>
+          </p:cNvPr>
+          <p:cNvCxnSpPr/>
+          <p:nvPr/>
+        </p:nvCxnSpPr>
+        <p:spPr>
+          <a:xfrm>
+            <a:off x="359507" y="2668953"/>
+            <a:ext cx="936000" cy="0"/>
+          </a:xfrm>
+          <a:prstGeom prst="line">
+            <a:avLst/>
+          </a:prstGeom>
+          <a:ln w="38100">
+            <a:solidFill>
+              <a:schemeClr val="tx1"/>
+            </a:solidFill>
+          </a:ln>
+        </p:spPr>
+        <p:style>
+          <a:lnRef idx="1">
+            <a:schemeClr val="accent1"/>
+          </a:lnRef>
+          <a:fillRef idx="0">
+            <a:schemeClr val="accent1"/>
+          </a:fillRef>
+          <a:effectRef idx="0">
+            <a:schemeClr val="accent1"/>
+          </a:effectRef>
+          <a:fontRef idx="minor">
+            <a:schemeClr val="tx1"/>
+          </a:fontRef>
+        </p:style>
+      </p:cxnSp>
+      <p:cxnSp>
+        <p:nvCxnSpPr>
+          <p:cNvPr id="8" name="Connecteur droit 7">
+            <a:extLst>
+              <a:ext uri="{FF2B5EF4-FFF2-40B4-BE49-F238E27FC236}">
+                <a16:creationId xmlns:a16="http://schemas.microsoft.com/office/drawing/2014/main" id="{B1930BBA-0C67-12CA-7352-26D6AA9FB906}"/>
+              </a:ext>
+            </a:extLst>
+          </p:cNvPr>
+          <p:cNvCxnSpPr/>
+          <p:nvPr/>
+        </p:nvCxnSpPr>
+        <p:spPr>
+          <a:xfrm>
+            <a:off x="372207" y="2834053"/>
+            <a:ext cx="936000" cy="0"/>
+          </a:xfrm>
+          <a:prstGeom prst="line">
+            <a:avLst/>
+          </a:prstGeom>
+          <a:ln w="38100">
+            <a:solidFill>
+              <a:schemeClr val="tx1"/>
+            </a:solidFill>
+          </a:ln>
+        </p:spPr>
+        <p:style>
+          <a:lnRef idx="1">
+            <a:schemeClr val="accent1"/>
+          </a:lnRef>
+          <a:fillRef idx="0">
+            <a:schemeClr val="accent1"/>
+          </a:fillRef>
+          <a:effectRef idx="0">
+            <a:schemeClr val="accent1"/>
+          </a:effectRef>
+          <a:fontRef idx="minor">
+            <a:schemeClr val="tx1"/>
+          </a:fontRef>
+        </p:style>
+      </p:cxnSp>
+      <mc:AlternateContent xmlns:mc="http://schemas.openxmlformats.org/markup-compatibility/2006">
+        <mc:Choice xmlns:a14="http://schemas.microsoft.com/office/drawing/2010/main" Requires="a14">
+          <p:sp>
+            <p:nvSpPr>
+              <p:cNvPr id="9" name="Rectangle : coins arrondis 8">
+                <a:extLst>
+                  <a:ext uri="{FF2B5EF4-FFF2-40B4-BE49-F238E27FC236}">
+                    <a16:creationId xmlns:a16="http://schemas.microsoft.com/office/drawing/2014/main" id="{F0005B0C-175A-7542-27FB-D63306C6A28A}"/>
+                  </a:ext>
+                </a:extLst>
+              </p:cNvPr>
+              <p:cNvSpPr/>
+              <p:nvPr/>
+            </p:nvSpPr>
+            <p:spPr>
+              <a:xfrm>
+                <a:off x="516669" y="1919653"/>
+                <a:ext cx="596900" cy="1193800"/>
+              </a:xfrm>
+              <a:prstGeom prst="roundRect">
+                <a:avLst/>
+              </a:prstGeom>
+              <a:ln w="31750"/>
+            </p:spPr>
+            <p:style>
+              <a:lnRef idx="2">
+                <a:schemeClr val="dk1"/>
+              </a:lnRef>
+              <a:fillRef idx="1">
+                <a:schemeClr val="lt1"/>
+              </a:fillRef>
+              <a:effectRef idx="0">
+                <a:schemeClr val="dk1"/>
+              </a:effectRef>
+              <a:fontRef idx="minor">
+                <a:schemeClr val="dk1"/>
+              </a:fontRef>
+            </p:style>
+            <p:txBody>
+              <a:bodyPr rtlCol="0" anchor="ctr"/>
+              <a:lstStyle/>
+              <a:p>
+                <a:pPr algn="ctr"/>
+                <a14:m>
+                  <m:oMathPara xmlns:m="http://schemas.openxmlformats.org/officeDocument/2006/math">
+                    <m:oMathParaPr>
+                      <m:jc m:val="centerGroup"/>
+                    </m:oMathParaPr>
+                    <m:oMath xmlns:m="http://schemas.openxmlformats.org/officeDocument/2006/math">
+                      <m:r>
+                        <a:rPr lang="fr-FR" b="0" i="1" smtClean="0">
+                          <a:latin typeface="Cambria Math" panose="02040503050406030204" pitchFamily="18" charset="0"/>
+                        </a:rPr>
+                        <m:t>𝐶</m:t>
+                      </m:r>
+                    </m:oMath>
+                  </m:oMathPara>
+                </a14:m>
+                <a:endParaRPr lang="fr-SG" dirty="0"/>
+              </a:p>
+            </p:txBody>
+          </p:sp>
+        </mc:Choice>
+        <mc:Fallback>
+          <p:sp>
+            <p:nvSpPr>
+              <p:cNvPr id="9" name="Rectangle : coins arrondis 8">
+                <a:extLst>
+                  <a:ext uri="{FF2B5EF4-FFF2-40B4-BE49-F238E27FC236}">
+                    <a16:creationId xmlns:a16="http://schemas.microsoft.com/office/drawing/2014/main" id="{F0005B0C-175A-7542-27FB-D63306C6A28A}"/>
+                  </a:ext>
+                </a:extLst>
+              </p:cNvPr>
+              <p:cNvSpPr>
+                <a:spLocks noRot="1" noChangeAspect="1" noMove="1" noResize="1" noEditPoints="1" noAdjustHandles="1" noChangeArrowheads="1" noChangeShapeType="1" noTextEdit="1"/>
+              </p:cNvSpPr>
+              <p:nvPr/>
+            </p:nvSpPr>
+            <p:spPr>
+              <a:xfrm>
+                <a:off x="516669" y="1919653"/>
+                <a:ext cx="596900" cy="1193800"/>
+              </a:xfrm>
+              <a:prstGeom prst="roundRect">
+                <a:avLst/>
+              </a:prstGeom>
+              <a:blipFill>
+                <a:blip r:embed="rId2"/>
+                <a:stretch>
+                  <a:fillRect/>
+                </a:stretch>
+              </a:blipFill>
+              <a:ln w="31750"/>
+            </p:spPr>
+            <p:txBody>
+              <a:bodyPr/>
+              <a:lstStyle/>
+              <a:p>
+                <a:r>
+                  <a:rPr lang="fr-SG">
+                    <a:noFill/>
+                  </a:rPr>
+                  <a:t> </a:t>
+                </a:r>
+              </a:p>
+            </p:txBody>
+          </p:sp>
+        </mc:Fallback>
+      </mc:AlternateContent>
+      <p:sp>
+        <p:nvSpPr>
+          <p:cNvPr id="11" name="Égal 10">
+            <a:extLst>
+              <a:ext uri="{FF2B5EF4-FFF2-40B4-BE49-F238E27FC236}">
+                <a16:creationId xmlns:a16="http://schemas.microsoft.com/office/drawing/2014/main" id="{FEBBA8A6-FA88-FB91-0B3E-16FECCC89A2D}"/>
+              </a:ext>
+            </a:extLst>
+          </p:cNvPr>
+          <p:cNvSpPr/>
+          <p:nvPr/>
+        </p:nvSpPr>
+        <p:spPr>
+          <a:xfrm>
+            <a:off x="1465369" y="2186353"/>
+            <a:ext cx="1016000" cy="660400"/>
+          </a:xfrm>
+          <a:prstGeom prst="mathEqual">
+            <a:avLst/>
+          </a:prstGeom>
+        </p:spPr>
+        <p:style>
+          <a:lnRef idx="2">
+            <a:schemeClr val="dk1">
+              <a:shade val="15000"/>
+            </a:schemeClr>
+          </a:lnRef>
+          <a:fillRef idx="1">
+            <a:schemeClr val="dk1"/>
+          </a:fillRef>
+          <a:effectRef idx="0">
+            <a:schemeClr val="dk1"/>
+          </a:effectRef>
+          <a:fontRef idx="minor">
+            <a:schemeClr val="lt1"/>
+          </a:fontRef>
+        </p:style>
+        <p:txBody>
+          <a:bodyPr rtlCol="0" anchor="ctr"/>
+          <a:lstStyle/>
+          <a:p>
+            <a:pPr algn="ctr"/>
+            <a:endParaRPr lang="fr-SG">
+              <a:ln w="0">
+                <a:solidFill>
+                  <a:sysClr val="windowText" lastClr="000000"/>
+                </a:solidFill>
+              </a:ln>
+              <a:solidFill>
+                <a:sysClr val="windowText" lastClr="000000"/>
+              </a:solidFill>
+              <a:effectLst>
+                <a:outerShdw blurRad="38100" dist="19050" dir="2700000" algn="tl" rotWithShape="0">
+                  <a:schemeClr val="dk1">
+                    <a:alpha val="40000"/>
+                  </a:schemeClr>
+                </a:outerShdw>
+              </a:effectLst>
+            </a:endParaRPr>
+          </a:p>
+        </p:txBody>
+      </p:sp>
+      <p:cxnSp>
+        <p:nvCxnSpPr>
+          <p:cNvPr id="18" name="Connecteur droit 17">
+            <a:extLst>
+              <a:ext uri="{FF2B5EF4-FFF2-40B4-BE49-F238E27FC236}">
+                <a16:creationId xmlns:a16="http://schemas.microsoft.com/office/drawing/2014/main" id="{2EBBCD3D-E6F9-DDF7-C1C1-5CC7AFC7744B}"/>
+              </a:ext>
+            </a:extLst>
+          </p:cNvPr>
+          <p:cNvCxnSpPr>
+            <a:cxnSpLocks/>
+          </p:cNvCxnSpPr>
+          <p:nvPr/>
+        </p:nvCxnSpPr>
+        <p:spPr>
+          <a:xfrm>
+            <a:off x="2620107" y="2021276"/>
+            <a:ext cx="936000" cy="0"/>
+          </a:xfrm>
+          <a:prstGeom prst="line">
+            <a:avLst/>
+          </a:prstGeom>
+          <a:ln w="38100">
+            <a:solidFill>
+              <a:schemeClr val="tx1"/>
+            </a:solidFill>
+          </a:ln>
+        </p:spPr>
+        <p:style>
+          <a:lnRef idx="1">
+            <a:schemeClr val="accent1"/>
+          </a:lnRef>
+          <a:fillRef idx="0">
+            <a:schemeClr val="accent1"/>
+          </a:fillRef>
+          <a:effectRef idx="0">
+            <a:schemeClr val="accent1"/>
+          </a:effectRef>
+          <a:fontRef idx="minor">
+            <a:schemeClr val="tx1"/>
+          </a:fontRef>
+        </p:style>
+      </p:cxnSp>
+      <mc:AlternateContent xmlns:mc="http://schemas.openxmlformats.org/markup-compatibility/2006">
+        <mc:Choice xmlns:a14="http://schemas.microsoft.com/office/drawing/2010/main" Requires="a14">
+          <p:sp>
+            <p:nvSpPr>
+              <p:cNvPr id="23" name="Rectangle : coins arrondis 22">
+                <a:extLst>
+                  <a:ext uri="{FF2B5EF4-FFF2-40B4-BE49-F238E27FC236}">
+                    <a16:creationId xmlns:a16="http://schemas.microsoft.com/office/drawing/2014/main" id="{D09B550E-57B2-EC77-F7C7-7EC85984FB0E}"/>
+                  </a:ext>
+                </a:extLst>
+              </p:cNvPr>
+              <p:cNvSpPr/>
+              <p:nvPr/>
+            </p:nvSpPr>
+            <p:spPr>
+              <a:xfrm>
+                <a:off x="2883969" y="1830776"/>
+                <a:ext cx="371138" cy="342877"/>
+              </a:xfrm>
+              <a:prstGeom prst="roundRect">
+                <a:avLst/>
+              </a:prstGeom>
+              <a:ln w="31750"/>
+            </p:spPr>
+            <p:style>
+              <a:lnRef idx="2">
+                <a:schemeClr val="dk1"/>
+              </a:lnRef>
+              <a:fillRef idx="1">
+                <a:schemeClr val="lt1"/>
+              </a:fillRef>
+              <a:effectRef idx="0">
+                <a:schemeClr val="dk1"/>
+              </a:effectRef>
+              <a:fontRef idx="minor">
+                <a:schemeClr val="dk1"/>
+              </a:fontRef>
+            </p:style>
+            <p:txBody>
+              <a:bodyPr rtlCol="0" anchor="ctr"/>
+              <a:lstStyle/>
+              <a:p>
+                <a:pPr algn="ctr"/>
+                <a14:m>
+                  <m:oMathPara xmlns:m="http://schemas.openxmlformats.org/officeDocument/2006/math">
+                    <m:oMathParaPr>
+                      <m:jc m:val="centerGroup"/>
+                    </m:oMathParaPr>
+                    <m:oMath xmlns:m="http://schemas.openxmlformats.org/officeDocument/2006/math">
+                      <m:r>
+                        <a:rPr lang="fr-FR" b="0" i="1" smtClean="0">
+                          <a:latin typeface="Cambria Math" panose="02040503050406030204" pitchFamily="18" charset="0"/>
+                        </a:rPr>
+                        <m:t>𝐶</m:t>
+                      </m:r>
+                    </m:oMath>
+                  </m:oMathPara>
+                </a14:m>
+                <a:endParaRPr lang="fr-SG" dirty="0"/>
+              </a:p>
+            </p:txBody>
+          </p:sp>
+        </mc:Choice>
+        <mc:Fallback>
+          <p:sp>
+            <p:nvSpPr>
+              <p:cNvPr id="23" name="Rectangle : coins arrondis 22">
+                <a:extLst>
+                  <a:ext uri="{FF2B5EF4-FFF2-40B4-BE49-F238E27FC236}">
+                    <a16:creationId xmlns:a16="http://schemas.microsoft.com/office/drawing/2014/main" id="{D09B550E-57B2-EC77-F7C7-7EC85984FB0E}"/>
+                  </a:ext>
+                </a:extLst>
+              </p:cNvPr>
+              <p:cNvSpPr>
+                <a:spLocks noRot="1" noChangeAspect="1" noMove="1" noResize="1" noEditPoints="1" noAdjustHandles="1" noChangeArrowheads="1" noChangeShapeType="1" noTextEdit="1"/>
+              </p:cNvSpPr>
+              <p:nvPr/>
+            </p:nvSpPr>
+            <p:spPr>
+              <a:xfrm>
+                <a:off x="2883969" y="1830776"/>
+                <a:ext cx="371138" cy="342877"/>
+              </a:xfrm>
+              <a:prstGeom prst="roundRect">
+                <a:avLst/>
+              </a:prstGeom>
+              <a:blipFill>
+                <a:blip r:embed="rId3"/>
+                <a:stretch>
+                  <a:fillRect/>
+                </a:stretch>
+              </a:blipFill>
+              <a:ln w="31750"/>
+            </p:spPr>
+            <p:txBody>
+              <a:bodyPr/>
+              <a:lstStyle/>
+              <a:p>
+                <a:r>
+                  <a:rPr lang="fr-SG">
+                    <a:noFill/>
+                  </a:rPr>
+                  <a:t> </a:t>
+                </a:r>
+              </a:p>
+            </p:txBody>
+          </p:sp>
+        </mc:Fallback>
+      </mc:AlternateContent>
+      <p:cxnSp>
+        <p:nvCxnSpPr>
+          <p:cNvPr id="25" name="Connecteur droit 24">
+            <a:extLst>
+              <a:ext uri="{FF2B5EF4-FFF2-40B4-BE49-F238E27FC236}">
+                <a16:creationId xmlns:a16="http://schemas.microsoft.com/office/drawing/2014/main" id="{3552A35B-44C4-998F-D453-58C5947C1B1C}"/>
+              </a:ext>
+            </a:extLst>
+          </p:cNvPr>
+          <p:cNvCxnSpPr>
+            <a:cxnSpLocks/>
+          </p:cNvCxnSpPr>
+          <p:nvPr/>
+        </p:nvCxnSpPr>
+        <p:spPr>
+          <a:xfrm>
+            <a:off x="2632807" y="2440376"/>
+            <a:ext cx="936000" cy="0"/>
+          </a:xfrm>
+          <a:prstGeom prst="line">
+            <a:avLst/>
+          </a:prstGeom>
+          <a:ln w="38100">
+            <a:solidFill>
+              <a:schemeClr val="tx1"/>
+            </a:solidFill>
+          </a:ln>
+        </p:spPr>
+        <p:style>
+          <a:lnRef idx="1">
+            <a:schemeClr val="accent1"/>
+          </a:lnRef>
+          <a:fillRef idx="0">
+            <a:schemeClr val="accent1"/>
+          </a:fillRef>
+          <a:effectRef idx="0">
+            <a:schemeClr val="accent1"/>
+          </a:effectRef>
+          <a:fontRef idx="minor">
+            <a:schemeClr val="tx1"/>
+          </a:fontRef>
+        </p:style>
+      </p:cxnSp>
+      <mc:AlternateContent xmlns:mc="http://schemas.openxmlformats.org/markup-compatibility/2006">
+        <mc:Choice xmlns:a14="http://schemas.microsoft.com/office/drawing/2010/main" Requires="a14">
+          <p:sp>
+            <p:nvSpPr>
+              <p:cNvPr id="26" name="Rectangle : coins arrondis 25">
+                <a:extLst>
+                  <a:ext uri="{FF2B5EF4-FFF2-40B4-BE49-F238E27FC236}">
+                    <a16:creationId xmlns:a16="http://schemas.microsoft.com/office/drawing/2014/main" id="{4D56165F-8D05-C6BA-4F64-A4E28EADE827}"/>
+                  </a:ext>
+                </a:extLst>
+              </p:cNvPr>
+              <p:cNvSpPr/>
+              <p:nvPr/>
+            </p:nvSpPr>
+            <p:spPr>
+              <a:xfrm>
+                <a:off x="2896669" y="2249876"/>
+                <a:ext cx="371138" cy="342877"/>
+              </a:xfrm>
+              <a:prstGeom prst="roundRect">
+                <a:avLst/>
+              </a:prstGeom>
+              <a:ln w="31750"/>
+            </p:spPr>
+            <p:style>
+              <a:lnRef idx="2">
+                <a:schemeClr val="dk1"/>
+              </a:lnRef>
+              <a:fillRef idx="1">
+                <a:schemeClr val="lt1"/>
+              </a:fillRef>
+              <a:effectRef idx="0">
+                <a:schemeClr val="dk1"/>
+              </a:effectRef>
+              <a:fontRef idx="minor">
+                <a:schemeClr val="dk1"/>
+              </a:fontRef>
+            </p:style>
+            <p:txBody>
+              <a:bodyPr rtlCol="0" anchor="ctr"/>
+              <a:lstStyle/>
+              <a:p>
+                <a:pPr algn="ctr"/>
+                <a14:m>
+                  <m:oMathPara xmlns:m="http://schemas.openxmlformats.org/officeDocument/2006/math">
+                    <m:oMathParaPr>
+                      <m:jc m:val="centerGroup"/>
+                    </m:oMathParaPr>
+                    <m:oMath xmlns:m="http://schemas.openxmlformats.org/officeDocument/2006/math">
+                      <m:r>
+                        <a:rPr lang="fr-FR" b="0" i="1" smtClean="0">
+                          <a:latin typeface="Cambria Math" panose="02040503050406030204" pitchFamily="18" charset="0"/>
+                        </a:rPr>
+                        <m:t>𝐶</m:t>
+                      </m:r>
+                    </m:oMath>
+                  </m:oMathPara>
+                </a14:m>
+                <a:endParaRPr lang="fr-SG" dirty="0"/>
+              </a:p>
+            </p:txBody>
+          </p:sp>
+        </mc:Choice>
+        <mc:Fallback>
+          <p:sp>
+            <p:nvSpPr>
+              <p:cNvPr id="26" name="Rectangle : coins arrondis 25">
+                <a:extLst>
+                  <a:ext uri="{FF2B5EF4-FFF2-40B4-BE49-F238E27FC236}">
+                    <a16:creationId xmlns:a16="http://schemas.microsoft.com/office/drawing/2014/main" id="{4D56165F-8D05-C6BA-4F64-A4E28EADE827}"/>
+                  </a:ext>
+                </a:extLst>
+              </p:cNvPr>
+              <p:cNvSpPr>
+                <a:spLocks noRot="1" noChangeAspect="1" noMove="1" noResize="1" noEditPoints="1" noAdjustHandles="1" noChangeArrowheads="1" noChangeShapeType="1" noTextEdit="1"/>
+              </p:cNvSpPr>
+              <p:nvPr/>
+            </p:nvSpPr>
+            <p:spPr>
+              <a:xfrm>
+                <a:off x="2896669" y="2249876"/>
+                <a:ext cx="371138" cy="342877"/>
+              </a:xfrm>
+              <a:prstGeom prst="roundRect">
+                <a:avLst/>
+              </a:prstGeom>
+              <a:blipFill>
+                <a:blip r:embed="rId4"/>
+                <a:stretch>
+                  <a:fillRect/>
+                </a:stretch>
+              </a:blipFill>
+              <a:ln w="31750"/>
+            </p:spPr>
+            <p:txBody>
+              <a:bodyPr/>
+              <a:lstStyle/>
+              <a:p>
+                <a:r>
+                  <a:rPr lang="fr-SG">
+                    <a:noFill/>
+                  </a:rPr>
+                  <a:t> </a:t>
+                </a:r>
+              </a:p>
+            </p:txBody>
+          </p:sp>
+        </mc:Fallback>
+      </mc:AlternateContent>
+      <p:cxnSp>
+        <p:nvCxnSpPr>
+          <p:cNvPr id="27" name="Connecteur droit 26">
+            <a:extLst>
+              <a:ext uri="{FF2B5EF4-FFF2-40B4-BE49-F238E27FC236}">
+                <a16:creationId xmlns:a16="http://schemas.microsoft.com/office/drawing/2014/main" id="{4DBACE14-F351-01E8-4342-C3662AF8B55E}"/>
+              </a:ext>
+            </a:extLst>
+          </p:cNvPr>
+          <p:cNvCxnSpPr>
+            <a:cxnSpLocks/>
+          </p:cNvCxnSpPr>
+          <p:nvPr/>
+        </p:nvCxnSpPr>
+        <p:spPr>
+          <a:xfrm>
+            <a:off x="2632807" y="2846776"/>
+            <a:ext cx="936000" cy="0"/>
+          </a:xfrm>
+          <a:prstGeom prst="line">
+            <a:avLst/>
+          </a:prstGeom>
+          <a:ln w="38100">
+            <a:solidFill>
+              <a:schemeClr val="tx1"/>
+            </a:solidFill>
+          </a:ln>
+        </p:spPr>
+        <p:style>
+          <a:lnRef idx="1">
+            <a:schemeClr val="accent1"/>
+          </a:lnRef>
+          <a:fillRef idx="0">
+            <a:schemeClr val="accent1"/>
+          </a:fillRef>
+          <a:effectRef idx="0">
+            <a:schemeClr val="accent1"/>
+          </a:effectRef>
+          <a:fontRef idx="minor">
+            <a:schemeClr val="tx1"/>
+          </a:fontRef>
+        </p:style>
+      </p:cxnSp>
+      <mc:AlternateContent xmlns:mc="http://schemas.openxmlformats.org/markup-compatibility/2006">
+        <mc:Choice xmlns:a14="http://schemas.microsoft.com/office/drawing/2010/main" Requires="a14">
+          <p:sp>
+            <p:nvSpPr>
+              <p:cNvPr id="28" name="Rectangle : coins arrondis 27">
+                <a:extLst>
+                  <a:ext uri="{FF2B5EF4-FFF2-40B4-BE49-F238E27FC236}">
+                    <a16:creationId xmlns:a16="http://schemas.microsoft.com/office/drawing/2014/main" id="{8147BD2D-AAE4-1B20-1192-84129628B92A}"/>
+                  </a:ext>
+                </a:extLst>
+              </p:cNvPr>
+              <p:cNvSpPr/>
+              <p:nvPr/>
+            </p:nvSpPr>
+            <p:spPr>
+              <a:xfrm>
+                <a:off x="2896669" y="2656276"/>
+                <a:ext cx="371138" cy="342877"/>
+              </a:xfrm>
+              <a:prstGeom prst="roundRect">
+                <a:avLst/>
+              </a:prstGeom>
+              <a:ln w="31750"/>
+            </p:spPr>
+            <p:style>
+              <a:lnRef idx="2">
+                <a:schemeClr val="dk1"/>
+              </a:lnRef>
+              <a:fillRef idx="1">
+                <a:schemeClr val="lt1"/>
+              </a:fillRef>
+              <a:effectRef idx="0">
+                <a:schemeClr val="dk1"/>
+              </a:effectRef>
+              <a:fontRef idx="minor">
+                <a:schemeClr val="dk1"/>
+              </a:fontRef>
+            </p:style>
+            <p:txBody>
+              <a:bodyPr rtlCol="0" anchor="ctr"/>
+              <a:lstStyle/>
+              <a:p>
+                <a:pPr algn="ctr"/>
+                <a14:m>
+                  <m:oMathPara xmlns:m="http://schemas.openxmlformats.org/officeDocument/2006/math">
+                    <m:oMathParaPr>
+                      <m:jc m:val="center"/>
+                    </m:oMathParaPr>
+                    <m:oMath xmlns:m="http://schemas.openxmlformats.org/officeDocument/2006/math">
+                      <m:r>
+                        <a:rPr lang="fr-FR" b="0" i="1" smtClean="0">
+                          <a:latin typeface="Cambria Math" panose="02040503050406030204" pitchFamily="18" charset="0"/>
+                        </a:rPr>
+                        <m:t>𝐶</m:t>
+                      </m:r>
+                    </m:oMath>
+                  </m:oMathPara>
+                </a14:m>
+                <a:endParaRPr lang="fr-SG" dirty="0"/>
+              </a:p>
+            </p:txBody>
+          </p:sp>
+        </mc:Choice>
+        <mc:Fallback>
+          <p:sp>
+            <p:nvSpPr>
+              <p:cNvPr id="28" name="Rectangle : coins arrondis 27">
+                <a:extLst>
+                  <a:ext uri="{FF2B5EF4-FFF2-40B4-BE49-F238E27FC236}">
+                    <a16:creationId xmlns:a16="http://schemas.microsoft.com/office/drawing/2014/main" id="{8147BD2D-AAE4-1B20-1192-84129628B92A}"/>
+                  </a:ext>
+                </a:extLst>
+              </p:cNvPr>
+              <p:cNvSpPr>
+                <a:spLocks noRot="1" noChangeAspect="1" noMove="1" noResize="1" noEditPoints="1" noAdjustHandles="1" noChangeArrowheads="1" noChangeShapeType="1" noTextEdit="1"/>
+              </p:cNvSpPr>
+              <p:nvPr/>
+            </p:nvSpPr>
+            <p:spPr>
+              <a:xfrm>
+                <a:off x="2896669" y="2656276"/>
+                <a:ext cx="371138" cy="342877"/>
+              </a:xfrm>
+              <a:prstGeom prst="roundRect">
+                <a:avLst/>
+              </a:prstGeom>
+              <a:blipFill>
+                <a:blip r:embed="rId5"/>
+                <a:stretch>
+                  <a:fillRect/>
+                </a:stretch>
+              </a:blipFill>
+              <a:ln w="31750"/>
+            </p:spPr>
+            <p:txBody>
+              <a:bodyPr/>
+              <a:lstStyle/>
+              <a:p>
+                <a:r>
+                  <a:rPr lang="fr-SG">
+                    <a:noFill/>
+                  </a:rPr>
+                  <a:t> </a:t>
+                </a:r>
+              </a:p>
+            </p:txBody>
+          </p:sp>
+        </mc:Fallback>
+      </mc:AlternateContent>
+      <p:sp>
+        <p:nvSpPr>
+          <p:cNvPr id="29" name="Ellipse 28">
+            <a:extLst>
+              <a:ext uri="{FF2B5EF4-FFF2-40B4-BE49-F238E27FC236}">
+                <a16:creationId xmlns:a16="http://schemas.microsoft.com/office/drawing/2014/main" id="{33948311-5F28-43B4-5A87-011D09ED0B46}"/>
+              </a:ext>
+            </a:extLst>
+          </p:cNvPr>
+          <p:cNvSpPr/>
+          <p:nvPr/>
+        </p:nvSpPr>
+        <p:spPr>
+          <a:xfrm>
+            <a:off x="3043122" y="3100753"/>
+            <a:ext cx="76200" cy="88900"/>
+          </a:xfrm>
+          <a:prstGeom prst="ellipse">
+            <a:avLst/>
+          </a:prstGeom>
+        </p:spPr>
+        <p:style>
+          <a:lnRef idx="2">
+            <a:schemeClr val="dk1">
+              <a:shade val="15000"/>
+            </a:schemeClr>
+          </a:lnRef>
+          <a:fillRef idx="1">
+            <a:schemeClr val="dk1"/>
+          </a:fillRef>
+          <a:effectRef idx="0">
+            <a:schemeClr val="dk1"/>
+          </a:effectRef>
+          <a:fontRef idx="minor">
+            <a:schemeClr val="lt1"/>
+          </a:fontRef>
+        </p:style>
+        <p:txBody>
+          <a:bodyPr rtlCol="0" anchor="ctr"/>
+          <a:lstStyle/>
+          <a:p>
+            <a:pPr algn="ctr"/>
+            <a:endParaRPr lang="fr-SG"/>
+          </a:p>
+        </p:txBody>
+      </p:sp>
+      <p:sp>
+        <p:nvSpPr>
+          <p:cNvPr id="30" name="Ellipse 29">
+            <a:extLst>
+              <a:ext uri="{FF2B5EF4-FFF2-40B4-BE49-F238E27FC236}">
+                <a16:creationId xmlns:a16="http://schemas.microsoft.com/office/drawing/2014/main" id="{86CDC7C1-223F-DEC1-3913-5E80E38D2C02}"/>
+              </a:ext>
+            </a:extLst>
+          </p:cNvPr>
+          <p:cNvSpPr/>
+          <p:nvPr/>
+        </p:nvSpPr>
+        <p:spPr>
+          <a:xfrm>
+            <a:off x="3044138" y="3265841"/>
+            <a:ext cx="76200" cy="88900"/>
+          </a:xfrm>
+          <a:prstGeom prst="ellipse">
+            <a:avLst/>
+          </a:prstGeom>
+        </p:spPr>
+        <p:style>
+          <a:lnRef idx="2">
+            <a:schemeClr val="dk1">
+              <a:shade val="15000"/>
+            </a:schemeClr>
+          </a:lnRef>
+          <a:fillRef idx="1">
+            <a:schemeClr val="dk1"/>
+          </a:fillRef>
+          <a:effectRef idx="0">
+            <a:schemeClr val="dk1"/>
+          </a:effectRef>
+          <a:fontRef idx="minor">
+            <a:schemeClr val="lt1"/>
+          </a:fontRef>
+        </p:style>
+        <p:txBody>
+          <a:bodyPr rtlCol="0" anchor="ctr"/>
+          <a:lstStyle/>
+          <a:p>
+            <a:pPr algn="ctr"/>
+            <a:endParaRPr lang="fr-SG"/>
+          </a:p>
+        </p:txBody>
+      </p:sp>
+      <p:sp>
+        <p:nvSpPr>
+          <p:cNvPr id="31" name="Ellipse 30">
+            <a:extLst>
+              <a:ext uri="{FF2B5EF4-FFF2-40B4-BE49-F238E27FC236}">
+                <a16:creationId xmlns:a16="http://schemas.microsoft.com/office/drawing/2014/main" id="{16E996C1-83E6-C4D2-0E07-A3E7D71729A3}"/>
+              </a:ext>
+            </a:extLst>
+          </p:cNvPr>
+          <p:cNvSpPr/>
+          <p:nvPr/>
+        </p:nvSpPr>
+        <p:spPr>
+          <a:xfrm>
+            <a:off x="3044138" y="3442088"/>
+            <a:ext cx="76200" cy="88900"/>
+          </a:xfrm>
+          <a:prstGeom prst="ellipse">
+            <a:avLst/>
+          </a:prstGeom>
+        </p:spPr>
+        <p:style>
+          <a:lnRef idx="2">
+            <a:schemeClr val="dk1">
+              <a:shade val="15000"/>
+            </a:schemeClr>
+          </a:lnRef>
+          <a:fillRef idx="1">
+            <a:schemeClr val="dk1"/>
+          </a:fillRef>
+          <a:effectRef idx="0">
+            <a:schemeClr val="dk1"/>
+          </a:effectRef>
+          <a:fontRef idx="minor">
+            <a:schemeClr val="lt1"/>
+          </a:fontRef>
+        </p:style>
+        <p:txBody>
+          <a:bodyPr rtlCol="0" anchor="ctr"/>
+          <a:lstStyle/>
+          <a:p>
+            <a:pPr algn="ctr"/>
+            <a:endParaRPr lang="fr-SG"/>
+          </a:p>
+        </p:txBody>
+      </p:sp>
+      <p:cxnSp>
+        <p:nvCxnSpPr>
+          <p:cNvPr id="32" name="Connecteur droit 31">
+            <a:extLst>
+              <a:ext uri="{FF2B5EF4-FFF2-40B4-BE49-F238E27FC236}">
+                <a16:creationId xmlns:a16="http://schemas.microsoft.com/office/drawing/2014/main" id="{9945E17D-3F6F-8C8A-522B-0BB4A325AAA8}"/>
+              </a:ext>
+            </a:extLst>
+          </p:cNvPr>
+          <p:cNvCxnSpPr>
+            <a:cxnSpLocks/>
+          </p:cNvCxnSpPr>
+          <p:nvPr/>
+        </p:nvCxnSpPr>
+        <p:spPr>
+          <a:xfrm>
+            <a:off x="2652619" y="3767272"/>
+            <a:ext cx="936000" cy="0"/>
+          </a:xfrm>
+          <a:prstGeom prst="line">
+            <a:avLst/>
+          </a:prstGeom>
+          <a:ln w="38100">
+            <a:solidFill>
+              <a:schemeClr val="tx1"/>
+            </a:solidFill>
+          </a:ln>
+        </p:spPr>
+        <p:style>
+          <a:lnRef idx="1">
+            <a:schemeClr val="accent1"/>
+          </a:lnRef>
+          <a:fillRef idx="0">
+            <a:schemeClr val="accent1"/>
+          </a:fillRef>
+          <a:effectRef idx="0">
+            <a:schemeClr val="accent1"/>
+          </a:effectRef>
+          <a:fontRef idx="minor">
+            <a:schemeClr val="tx1"/>
+          </a:fontRef>
+        </p:style>
+      </p:cxnSp>
+      <mc:AlternateContent xmlns:mc="http://schemas.openxmlformats.org/markup-compatibility/2006">
+        <mc:Choice xmlns:a14="http://schemas.microsoft.com/office/drawing/2010/main" Requires="a14">
+          <p:sp>
+            <p:nvSpPr>
+              <p:cNvPr id="33" name="Rectangle : coins arrondis 32">
+                <a:extLst>
+                  <a:ext uri="{FF2B5EF4-FFF2-40B4-BE49-F238E27FC236}">
+                    <a16:creationId xmlns:a16="http://schemas.microsoft.com/office/drawing/2014/main" id="{3FDE65A7-DBFE-12F7-A401-53C6652B2536}"/>
+                  </a:ext>
+                </a:extLst>
+              </p:cNvPr>
+              <p:cNvSpPr/>
+              <p:nvPr/>
+            </p:nvSpPr>
+            <p:spPr>
+              <a:xfrm>
+                <a:off x="2916481" y="3576772"/>
+                <a:ext cx="371138" cy="342877"/>
+              </a:xfrm>
+              <a:prstGeom prst="roundRect">
+                <a:avLst/>
+              </a:prstGeom>
+              <a:ln w="31750"/>
+            </p:spPr>
+            <p:style>
+              <a:lnRef idx="2">
+                <a:schemeClr val="dk1"/>
+              </a:lnRef>
+              <a:fillRef idx="1">
+                <a:schemeClr val="lt1"/>
+              </a:fillRef>
+              <a:effectRef idx="0">
+                <a:schemeClr val="dk1"/>
+              </a:effectRef>
+              <a:fontRef idx="minor">
+                <a:schemeClr val="dk1"/>
+              </a:fontRef>
+            </p:style>
+            <p:txBody>
+              <a:bodyPr rtlCol="0" anchor="ctr"/>
+              <a:lstStyle/>
+              <a:p>
+                <a:pPr algn="ctr"/>
+                <a14:m>
+                  <m:oMathPara xmlns:m="http://schemas.openxmlformats.org/officeDocument/2006/math">
+                    <m:oMathParaPr>
+                      <m:jc m:val="center"/>
+                    </m:oMathParaPr>
+                    <m:oMath xmlns:m="http://schemas.openxmlformats.org/officeDocument/2006/math">
+                      <m:r>
+                        <a:rPr lang="fr-FR" b="0" i="1" smtClean="0">
+                          <a:latin typeface="Cambria Math" panose="02040503050406030204" pitchFamily="18" charset="0"/>
+                        </a:rPr>
+                        <m:t>𝐶</m:t>
+                      </m:r>
+                    </m:oMath>
+                  </m:oMathPara>
+                </a14:m>
+                <a:endParaRPr lang="fr-SG" dirty="0"/>
+              </a:p>
+            </p:txBody>
+          </p:sp>
+        </mc:Choice>
+        <mc:Fallback>
+          <p:sp>
+            <p:nvSpPr>
+              <p:cNvPr id="33" name="Rectangle : coins arrondis 32">
+                <a:extLst>
+                  <a:ext uri="{FF2B5EF4-FFF2-40B4-BE49-F238E27FC236}">
+                    <a16:creationId xmlns:a16="http://schemas.microsoft.com/office/drawing/2014/main" id="{3FDE65A7-DBFE-12F7-A401-53C6652B2536}"/>
+                  </a:ext>
+                </a:extLst>
+              </p:cNvPr>
+              <p:cNvSpPr>
+                <a:spLocks noRot="1" noChangeAspect="1" noMove="1" noResize="1" noEditPoints="1" noAdjustHandles="1" noChangeArrowheads="1" noChangeShapeType="1" noTextEdit="1"/>
+              </p:cNvSpPr>
+              <p:nvPr/>
+            </p:nvSpPr>
+            <p:spPr>
+              <a:xfrm>
+                <a:off x="2916481" y="3576772"/>
+                <a:ext cx="371138" cy="342877"/>
+              </a:xfrm>
+              <a:prstGeom prst="roundRect">
+                <a:avLst/>
+              </a:prstGeom>
+              <a:blipFill>
+                <a:blip r:embed="rId6"/>
+                <a:stretch>
+                  <a:fillRect/>
+                </a:stretch>
+              </a:blipFill>
+              <a:ln w="31750"/>
+            </p:spPr>
+            <p:txBody>
+              <a:bodyPr/>
+              <a:lstStyle/>
+              <a:p>
+                <a:r>
+                  <a:rPr lang="fr-SG">
+                    <a:noFill/>
+                  </a:rPr>
+                  <a:t> </a:t>
+                </a:r>
+              </a:p>
+            </p:txBody>
+          </p:sp>
+        </mc:Fallback>
+      </mc:AlternateContent>
+      <p:pic>
+        <p:nvPicPr>
+          <p:cNvPr id="35" name="Image 34">
+            <a:extLst>
+              <a:ext uri="{FF2B5EF4-FFF2-40B4-BE49-F238E27FC236}">
+                <a16:creationId xmlns:a16="http://schemas.microsoft.com/office/drawing/2014/main" id="{3DC1F3E0-A308-3B38-D383-40EE5ECEC2FA}"/>
+              </a:ext>
+            </a:extLst>
+          </p:cNvPr>
+          <p:cNvPicPr>
+            <a:picLocks noChangeAspect="1"/>
+          </p:cNvPicPr>
+          <p:nvPr/>
+        </p:nvPicPr>
+        <p:blipFill>
+          <a:blip r:embed="rId7"/>
+          <a:stretch>
+            <a:fillRect/>
+          </a:stretch>
+        </p:blipFill>
+        <p:spPr>
+          <a:xfrm>
+            <a:off x="3583667" y="3767271"/>
+            <a:ext cx="8608333" cy="3090729"/>
+          </a:xfrm>
+          <a:prstGeom prst="rect">
+            <a:avLst/>
+          </a:prstGeom>
+        </p:spPr>
+      </p:pic>
+      <p:sp>
+        <p:nvSpPr>
+          <p:cNvPr id="36" name="ZoneTexte 35">
+            <a:extLst>
+              <a:ext uri="{FF2B5EF4-FFF2-40B4-BE49-F238E27FC236}">
+                <a16:creationId xmlns:a16="http://schemas.microsoft.com/office/drawing/2014/main" id="{1A101A00-BDE5-81D5-C82D-36BAD787DDB3}"/>
+              </a:ext>
+            </a:extLst>
+          </p:cNvPr>
+          <p:cNvSpPr txBox="1"/>
+          <p:nvPr/>
+        </p:nvSpPr>
+        <p:spPr>
+          <a:xfrm>
+            <a:off x="4714822" y="1794045"/>
+            <a:ext cx="3863616" cy="646331"/>
+          </a:xfrm>
+          <a:prstGeom prst="rect">
+            <a:avLst/>
+          </a:prstGeom>
+          <a:noFill/>
+        </p:spPr>
+        <p:txBody>
+          <a:bodyPr wrap="square" rtlCol="0">
+            <a:spAutoFit/>
+          </a:bodyPr>
+          <a:lstStyle/>
+          <a:p>
+            <a:r>
+              <a:rPr lang="fr-SG" dirty="0">
+                <a:latin typeface="Charter Roman" panose="02040503050506020203" pitchFamily="18" charset="0"/>
+              </a:rPr>
+              <a:t>Clifford gates can be done fault-tolerantly in a « transversal » way</a:t>
+            </a:r>
+          </a:p>
+        </p:txBody>
+      </p:sp>
+    </p:spTree>
+    <p:extLst>
+      <p:ext uri="{BB962C8B-B14F-4D97-AF65-F5344CB8AC3E}">
+        <p14:creationId xmlns:p14="http://schemas.microsoft.com/office/powerpoint/2010/main" val="1591145022"/>
+      </p:ext>
+    </p:extLst>
+  </p:cSld>
+  <p:clrMapOvr>
+    <a:masterClrMapping/>
+  </p:clrMapOvr>
+</p:sld>
+</file>
+
+<file path=ppt/slides/slide5.xml><?xml version="1.0" encoding="utf-8"?>
+<p:sld xmlns:a="http://schemas.openxmlformats.org/drawingml/2006/main" xmlns:r="http://schemas.openxmlformats.org/officeDocument/2006/relationships" xmlns:p="http://schemas.openxmlformats.org/presentationml/2006/main">
+  <p:cSld>
+    <p:spTree>
+      <p:nvGrpSpPr>
+        <p:cNvPr id="1" name=""/>
+        <p:cNvGrpSpPr/>
+        <p:nvPr/>
+      </p:nvGrpSpPr>
+      <p:grpSpPr>
+        <a:xfrm>
+          <a:off x="0" y="0"/>
+          <a:ext cx="0" cy="0"/>
+          <a:chOff x="0" y="0"/>
+          <a:chExt cx="0" cy="0"/>
+        </a:xfrm>
+      </p:grpSpPr>
+      <p:sp>
+        <p:nvSpPr>
+          <p:cNvPr id="2" name="Titre 1">
+            <a:extLst>
+              <a:ext uri="{FF2B5EF4-FFF2-40B4-BE49-F238E27FC236}">
+                <a16:creationId xmlns:a16="http://schemas.microsoft.com/office/drawing/2014/main" id="{223A592D-4275-D836-279F-289DE6F51F52}"/>
+              </a:ext>
+            </a:extLst>
+          </p:cNvPr>
+          <p:cNvSpPr>
+            <a:spLocks noGrp="1"/>
+          </p:cNvSpPr>
+          <p:nvPr>
+            <p:ph type="title"/>
+          </p:nvPr>
+        </p:nvSpPr>
+        <p:spPr>
+          <a:xfrm>
+            <a:off x="838200" y="365125"/>
+            <a:ext cx="7337612" cy="1325563"/>
+          </a:xfrm>
+        </p:spPr>
+        <p:txBody>
+          <a:bodyPr>
+            <a:normAutofit fontScale="90000"/>
+          </a:bodyPr>
+          <a:lstStyle/>
+          <a:p>
+            <a:r>
+              <a:rPr lang="fr-SG" dirty="0">
+                <a:latin typeface="Charter Roman" panose="02040503050506020203" pitchFamily="18" charset="0"/>
+              </a:rPr>
+              <a:t>Quantum Error Correction: The Bitflip code / 5 qubit code</a:t>
+            </a:r>
+          </a:p>
+        </p:txBody>
+      </p:sp>
+      <p:sp>
+        <p:nvSpPr>
+          <p:cNvPr id="3" name="Espace réservé du contenu 2">
+            <a:extLst>
+              <a:ext uri="{FF2B5EF4-FFF2-40B4-BE49-F238E27FC236}">
+                <a16:creationId xmlns:a16="http://schemas.microsoft.com/office/drawing/2014/main" id="{2C1CA139-E86D-3B58-6390-340E122EBE5C}"/>
+              </a:ext>
+            </a:extLst>
+          </p:cNvPr>
+          <p:cNvSpPr>
+            <a:spLocks noGrp="1"/>
+          </p:cNvSpPr>
+          <p:nvPr>
+            <p:ph idx="1"/>
+          </p:nvPr>
+        </p:nvSpPr>
+        <p:spPr/>
+        <p:txBody>
+          <a:bodyPr/>
+          <a:lstStyle/>
+          <a:p>
+            <a:endParaRPr lang="fr-SG" dirty="0"/>
+          </a:p>
+        </p:txBody>
+      </p:sp>
+    </p:spTree>
+    <p:extLst>
+      <p:ext uri="{BB962C8B-B14F-4D97-AF65-F5344CB8AC3E}">
+        <p14:creationId xmlns:p14="http://schemas.microsoft.com/office/powerpoint/2010/main" val="155858093"/>
+      </p:ext>
+    </p:extLst>
+  </p:cSld>
+  <p:clrMapOvr>
+    <a:masterClrMapping/>
+  </p:clrMapOvr>
+</p:sld>
+</file>
+
+<file path=ppt/slides/slide6.xml><?xml version="1.0" encoding="utf-8"?>
+<p:sld xmlns:a="http://schemas.openxmlformats.org/drawingml/2006/main" xmlns:r="http://schemas.openxmlformats.org/officeDocument/2006/relationships" xmlns:p="http://schemas.openxmlformats.org/presentationml/2006/main">
+  <p:cSld>
+    <p:spTree>
+      <p:nvGrpSpPr>
+        <p:cNvPr id="1" name=""/>
+        <p:cNvGrpSpPr/>
+        <p:nvPr/>
+      </p:nvGrpSpPr>
+      <p:grpSpPr>
+        <a:xfrm>
+          <a:off x="0" y="0"/>
+          <a:ext cx="0" cy="0"/>
+          <a:chOff x="0" y="0"/>
+          <a:chExt cx="0" cy="0"/>
+        </a:xfrm>
+      </p:grpSpPr>
+      <p:sp>
+        <p:nvSpPr>
+          <p:cNvPr id="2" name="Titre 1">
+            <a:extLst>
+              <a:ext uri="{FF2B5EF4-FFF2-40B4-BE49-F238E27FC236}">
+                <a16:creationId xmlns:a16="http://schemas.microsoft.com/office/drawing/2014/main" id="{330645BF-DD03-D2E4-377C-F9C98DDA5B4C}"/>
+              </a:ext>
+            </a:extLst>
+          </p:cNvPr>
+          <p:cNvSpPr>
+            <a:spLocks noGrp="1"/>
+          </p:cNvSpPr>
+          <p:nvPr>
+            <p:ph type="title"/>
+          </p:nvPr>
+        </p:nvSpPr>
+        <p:spPr/>
+        <p:txBody>
+          <a:bodyPr/>
+          <a:lstStyle/>
+          <a:p>
+            <a:r>
+              <a:rPr lang="fr-SG" dirty="0">
+                <a:latin typeface="Charter Roman" panose="02040503050506020203" pitchFamily="18" charset="0"/>
+              </a:rPr>
+              <a:t>Magic State Distillation (MSD)</a:t>
+            </a:r>
+          </a:p>
+        </p:txBody>
+      </p:sp>
+      <p:sp>
+        <p:nvSpPr>
+          <p:cNvPr id="3" name="Espace réservé du contenu 2">
+            <a:extLst>
+              <a:ext uri="{FF2B5EF4-FFF2-40B4-BE49-F238E27FC236}">
+                <a16:creationId xmlns:a16="http://schemas.microsoft.com/office/drawing/2014/main" id="{EDEEC9C6-78BF-42BF-956B-49BC9431E3DD}"/>
+              </a:ext>
+            </a:extLst>
+          </p:cNvPr>
+          <p:cNvSpPr>
+            <a:spLocks noGrp="1"/>
+          </p:cNvSpPr>
+          <p:nvPr>
+            <p:ph idx="1"/>
+          </p:nvPr>
+        </p:nvSpPr>
+        <p:spPr>
+          <a:xfrm>
+            <a:off x="838200" y="1690688"/>
+            <a:ext cx="6261847" cy="4351338"/>
+          </a:xfrm>
+        </p:spPr>
+        <p:txBody>
+          <a:bodyPr/>
+          <a:lstStyle/>
+          <a:p>
+            <a:r>
+              <a:rPr lang="fr-SG" dirty="0"/>
+              <a:t>To be implemented fault-tolerantly, a non-Clifford gate requires </a:t>
+            </a:r>
+            <a:r>
+              <a:rPr lang="fr-SG" dirty="0">
+                <a:solidFill>
+                  <a:schemeClr val="accent2"/>
+                </a:solidFill>
+              </a:rPr>
+              <a:t>Magic States</a:t>
+            </a:r>
+          </a:p>
+          <a:p>
+            <a:r>
+              <a:rPr lang="fr-SG" dirty="0"/>
+              <a:t>MSD requires fault-tolerant Clifford gates, and repeat-until-success procedures</a:t>
+            </a:r>
+          </a:p>
+          <a:p>
+            <a:pPr marL="0" indent="0">
+              <a:buNone/>
+            </a:pPr>
+            <a:endParaRPr lang="fr-SG" dirty="0">
+              <a:solidFill>
+                <a:schemeClr val="accent2"/>
+              </a:solidFill>
+            </a:endParaRPr>
+          </a:p>
+        </p:txBody>
+      </p:sp>
+      <p:pic>
+        <p:nvPicPr>
+          <p:cNvPr id="4" name="Image 3">
+            <a:extLst>
+              <a:ext uri="{FF2B5EF4-FFF2-40B4-BE49-F238E27FC236}">
+                <a16:creationId xmlns:a16="http://schemas.microsoft.com/office/drawing/2014/main" id="{0E8E4BE1-2114-A8C7-8776-1D1FB41F8CBA}"/>
+              </a:ext>
+            </a:extLst>
+          </p:cNvPr>
+          <p:cNvPicPr>
+            <a:picLocks noChangeAspect="1"/>
+          </p:cNvPicPr>
+          <p:nvPr/>
+        </p:nvPicPr>
+        <p:blipFill>
+          <a:blip r:embed="rId2"/>
+          <a:stretch>
+            <a:fillRect/>
+          </a:stretch>
+        </p:blipFill>
+        <p:spPr>
+          <a:xfrm>
+            <a:off x="71838" y="4370107"/>
+            <a:ext cx="8779313" cy="2487893"/>
+          </a:xfrm>
+          <a:prstGeom prst="rect">
+            <a:avLst/>
+          </a:prstGeom>
+        </p:spPr>
+      </p:pic>
+      <p:pic>
+        <p:nvPicPr>
+          <p:cNvPr id="5" name="Image 4">
+            <a:extLst>
+              <a:ext uri="{FF2B5EF4-FFF2-40B4-BE49-F238E27FC236}">
+                <a16:creationId xmlns:a16="http://schemas.microsoft.com/office/drawing/2014/main" id="{D7999977-8A9D-F78F-9360-78B7FFBCB15E}"/>
+              </a:ext>
+            </a:extLst>
+          </p:cNvPr>
+          <p:cNvPicPr>
+            <a:picLocks noChangeAspect="1"/>
+          </p:cNvPicPr>
+          <p:nvPr/>
+        </p:nvPicPr>
+        <p:blipFill>
+          <a:blip r:embed="rId3"/>
+          <a:stretch>
+            <a:fillRect/>
+          </a:stretch>
+        </p:blipFill>
+        <p:spPr>
+          <a:xfrm>
+            <a:off x="8887009" y="2548000"/>
+            <a:ext cx="3269011" cy="4299162"/>
+          </a:xfrm>
+          <a:prstGeom prst="rect">
+            <a:avLst/>
+          </a:prstGeom>
+        </p:spPr>
+      </p:pic>
+    </p:spTree>
+    <p:extLst>
+      <p:ext uri="{BB962C8B-B14F-4D97-AF65-F5344CB8AC3E}">
+        <p14:creationId xmlns:p14="http://schemas.microsoft.com/office/powerpoint/2010/main" val="2152433712"/>
       </p:ext>
     </p:extLst>
   </p:cSld>

--- a/Presentation.pptx
+++ b/Presentation.pptx
@@ -11,6 +11,8 @@
     <p:sldId id="259" r:id="rId5"/>
     <p:sldId id="261" r:id="rId6"/>
     <p:sldId id="260" r:id="rId7"/>
+    <p:sldId id="262" r:id="rId8"/>
+    <p:sldId id="263" r:id="rId9"/>
   </p:sldIdLst>
   <p:sldSz cx="12192000" cy="6858000"/>
   <p:notesSz cx="6858000" cy="9144000"/>
@@ -115,7 +117,7 @@
 <file path=ppt/revisionInfo.xml><?xml version="1.0" encoding="utf-8"?>
 <p1510:revInfo xmlns:a="http://schemas.openxmlformats.org/drawingml/2006/main" xmlns:r="http://schemas.openxmlformats.org/officeDocument/2006/relationships" xmlns:p1510="http://schemas.microsoft.com/office/powerpoint/2015/10/main">
   <p1510:revLst>
-    <p1510:client id="{8431448E-DF6B-DF49-BC0F-4015CBEE841D}" v="29" dt="2023-11-30T07:30:04.414"/>
+    <p1510:client id="{8431448E-DF6B-DF49-BC0F-4015CBEE841D}" v="30" dt="2023-11-30T07:57:47.237"/>
   </p1510:revLst>
 </p1510:revInfo>
 </file>
@@ -8058,6 +8060,219 @@
 </p:sld>
 </file>
 
+<file path=ppt/slides/slide7.xml><?xml version="1.0" encoding="utf-8"?>
+<p:sld xmlns:a="http://schemas.openxmlformats.org/drawingml/2006/main" xmlns:r="http://schemas.openxmlformats.org/officeDocument/2006/relationships" xmlns:p="http://schemas.openxmlformats.org/presentationml/2006/main">
+  <p:cSld>
+    <p:spTree>
+      <p:nvGrpSpPr>
+        <p:cNvPr id="1" name=""/>
+        <p:cNvGrpSpPr/>
+        <p:nvPr/>
+      </p:nvGrpSpPr>
+      <p:grpSpPr>
+        <a:xfrm>
+          <a:off x="0" y="0"/>
+          <a:ext cx="0" cy="0"/>
+          <a:chOff x="0" y="0"/>
+          <a:chExt cx="0" cy="0"/>
+        </a:xfrm>
+      </p:grpSpPr>
+      <p:sp>
+        <p:nvSpPr>
+          <p:cNvPr id="2" name="Titre 1">
+            <a:extLst>
+              <a:ext uri="{FF2B5EF4-FFF2-40B4-BE49-F238E27FC236}">
+                <a16:creationId xmlns:a16="http://schemas.microsoft.com/office/drawing/2014/main" id="{F7C693C4-9977-393D-24AD-167FC0547309}"/>
+              </a:ext>
+            </a:extLst>
+          </p:cNvPr>
+          <p:cNvSpPr>
+            <a:spLocks noGrp="1"/>
+          </p:cNvSpPr>
+          <p:nvPr>
+            <p:ph type="title"/>
+          </p:nvPr>
+        </p:nvSpPr>
+        <p:spPr/>
+        <p:txBody>
+          <a:bodyPr/>
+          <a:lstStyle/>
+          <a:p>
+            <a:r>
+              <a:rPr lang="fr-SG" dirty="0">
+                <a:latin typeface="Charter Roman" panose="02040503050506020203" pitchFamily="18" charset="0"/>
+              </a:rPr>
+              <a:t>Logical Non Clifford gate (T gate)</a:t>
+            </a:r>
+          </a:p>
+        </p:txBody>
+      </p:sp>
+      <p:sp>
+        <p:nvSpPr>
+          <p:cNvPr id="3" name="Espace réservé du contenu 2">
+            <a:extLst>
+              <a:ext uri="{FF2B5EF4-FFF2-40B4-BE49-F238E27FC236}">
+                <a16:creationId xmlns:a16="http://schemas.microsoft.com/office/drawing/2014/main" id="{5762AB2E-FE8E-0EF1-AD1E-3678F8AC1309}"/>
+              </a:ext>
+            </a:extLst>
+          </p:cNvPr>
+          <p:cNvSpPr>
+            <a:spLocks noGrp="1"/>
+          </p:cNvSpPr>
+          <p:nvPr>
+            <p:ph idx="1"/>
+          </p:nvPr>
+        </p:nvSpPr>
+        <p:spPr/>
+        <p:txBody>
+          <a:bodyPr/>
+          <a:lstStyle/>
+          <a:p>
+            <a:endParaRPr lang="fr-SG" dirty="0"/>
+          </a:p>
+        </p:txBody>
+      </p:sp>
+      <p:pic>
+        <p:nvPicPr>
+          <p:cNvPr id="4" name="Image 3">
+            <a:extLst>
+              <a:ext uri="{FF2B5EF4-FFF2-40B4-BE49-F238E27FC236}">
+                <a16:creationId xmlns:a16="http://schemas.microsoft.com/office/drawing/2014/main" id="{4F1C7062-ACAE-5472-A5F7-FFB115F777FE}"/>
+              </a:ext>
+            </a:extLst>
+          </p:cNvPr>
+          <p:cNvPicPr>
+            <a:picLocks noChangeAspect="1"/>
+          </p:cNvPicPr>
+          <p:nvPr/>
+        </p:nvPicPr>
+        <p:blipFill>
+          <a:blip r:embed="rId2"/>
+          <a:stretch>
+            <a:fillRect/>
+          </a:stretch>
+        </p:blipFill>
+        <p:spPr>
+          <a:xfrm>
+            <a:off x="2209800" y="2111102"/>
+            <a:ext cx="7772400" cy="2313066"/>
+          </a:xfrm>
+          <a:prstGeom prst="rect">
+            <a:avLst/>
+          </a:prstGeom>
+        </p:spPr>
+      </p:pic>
+    </p:spTree>
+    <p:extLst>
+      <p:ext uri="{BB962C8B-B14F-4D97-AF65-F5344CB8AC3E}">
+        <p14:creationId xmlns:p14="http://schemas.microsoft.com/office/powerpoint/2010/main" val="1191195412"/>
+      </p:ext>
+    </p:extLst>
+  </p:cSld>
+  <p:clrMapOvr>
+    <a:masterClrMapping/>
+  </p:clrMapOvr>
+</p:sld>
+</file>
+
+<file path=ppt/slides/slide8.xml><?xml version="1.0" encoding="utf-8"?>
+<p:sld xmlns:a="http://schemas.openxmlformats.org/drawingml/2006/main" xmlns:r="http://schemas.openxmlformats.org/officeDocument/2006/relationships" xmlns:p="http://schemas.openxmlformats.org/presentationml/2006/main">
+  <p:cSld>
+    <p:spTree>
+      <p:nvGrpSpPr>
+        <p:cNvPr id="1" name=""/>
+        <p:cNvGrpSpPr/>
+        <p:nvPr/>
+      </p:nvGrpSpPr>
+      <p:grpSpPr>
+        <a:xfrm>
+          <a:off x="0" y="0"/>
+          <a:ext cx="0" cy="0"/>
+          <a:chOff x="0" y="0"/>
+          <a:chExt cx="0" cy="0"/>
+        </a:xfrm>
+      </p:grpSpPr>
+      <p:sp>
+        <p:nvSpPr>
+          <p:cNvPr id="2" name="Titre 1">
+            <a:extLst>
+              <a:ext uri="{FF2B5EF4-FFF2-40B4-BE49-F238E27FC236}">
+                <a16:creationId xmlns:a16="http://schemas.microsoft.com/office/drawing/2014/main" id="{D8187624-AE60-05EE-E3B0-E43F8B8C97FD}"/>
+              </a:ext>
+            </a:extLst>
+          </p:cNvPr>
+          <p:cNvSpPr>
+            <a:spLocks noGrp="1"/>
+          </p:cNvSpPr>
+          <p:nvPr>
+            <p:ph type="title"/>
+          </p:nvPr>
+        </p:nvSpPr>
+        <p:spPr/>
+        <p:txBody>
+          <a:bodyPr/>
+          <a:lstStyle/>
+          <a:p>
+            <a:r>
+              <a:rPr lang="fr-SG" dirty="0">
+                <a:latin typeface="Charter Roman" panose="02040503050506020203" pitchFamily="18" charset="0"/>
+              </a:rPr>
+              <a:t>Conclusion</a:t>
+            </a:r>
+          </a:p>
+        </p:txBody>
+      </p:sp>
+      <p:sp>
+        <p:nvSpPr>
+          <p:cNvPr id="3" name="Espace réservé du contenu 2">
+            <a:extLst>
+              <a:ext uri="{FF2B5EF4-FFF2-40B4-BE49-F238E27FC236}">
+                <a16:creationId xmlns:a16="http://schemas.microsoft.com/office/drawing/2014/main" id="{E7E20D35-28E6-8408-588E-6FCC90D5FEAE}"/>
+              </a:ext>
+            </a:extLst>
+          </p:cNvPr>
+          <p:cNvSpPr>
+            <a:spLocks noGrp="1"/>
+          </p:cNvSpPr>
+          <p:nvPr>
+            <p:ph idx="1"/>
+          </p:nvPr>
+        </p:nvSpPr>
+        <p:spPr/>
+        <p:txBody>
+          <a:bodyPr/>
+          <a:lstStyle/>
+          <a:p>
+            <a:r>
+              <a:rPr lang="fr-SG" dirty="0">
+                <a:latin typeface="Charter Roman" panose="02040503050506020203" pitchFamily="18" charset="0"/>
+              </a:rPr>
+              <a:t>Triple Alpha enables to write efficiently key FT subroutines at both physical and logical levels</a:t>
+            </a:r>
+          </a:p>
+          <a:p>
+            <a:r>
+              <a:rPr lang="fr-SG" dirty="0">
+                <a:latin typeface="Charter Roman" panose="02040503050506020203" pitchFamily="18" charset="0"/>
+              </a:rPr>
+              <a:t>Comments on what to improve? New directions?</a:t>
+            </a:r>
+          </a:p>
+        </p:txBody>
+      </p:sp>
+    </p:spTree>
+    <p:extLst>
+      <p:ext uri="{BB962C8B-B14F-4D97-AF65-F5344CB8AC3E}">
+        <p14:creationId xmlns:p14="http://schemas.microsoft.com/office/powerpoint/2010/main" val="497211"/>
+      </p:ext>
+    </p:extLst>
+  </p:cSld>
+  <p:clrMapOvr>
+    <a:masterClrMapping/>
+  </p:clrMapOvr>
+</p:sld>
+</file>
+
 <file path=ppt/theme/theme1.xml><?xml version="1.0" encoding="utf-8"?>
 <a:theme xmlns:a="http://schemas.openxmlformats.org/drawingml/2006/main" name="Thème Office">
   <a:themeElements>
